--- a/08.Functions/functions.pptx
+++ b/08.Functions/functions.pptx
@@ -1,28 +1,28 @@
 
 <file path=ppt/presentation.xml><?xml version="1.0" encoding="utf-8"?>
-<p:presentation xmlns:a="http://schemas.openxmlformats.org/drawingml/2006/main" xmlns:r="http://schemas.openxmlformats.org/officeDocument/2006/relationships" xmlns:p="http://schemas.openxmlformats.org/presentationml/2006/main" xmlns:m="http://schemas.openxmlformats.org/officeDocument/2006/math" xmlns:a14="http://schemas.microsoft.com/office/drawing/2010/main">
+<p:presentation xmlns:a="http://schemas.openxmlformats.org/drawingml/2006/main" xmlns:r="http://schemas.openxmlformats.org/officeDocument/2006/relationships" xmlns:p="http://schemas.openxmlformats.org/presentationml/2006/main">
   <p:sldMasterIdLst>
-    <p:sldMasterId id="2147483648" r:id="rId5"/>
+    <p:sldMasterId id="2147483648" r:id="rId1"/>
   </p:sldMasterIdLst>
   <p:notesMasterIdLst>
-    <p:notesMasterId r:id="rId7"/>
+    <p:notesMasterId r:id="rId15"/>
   </p:notesMasterIdLst>
   <p:sldIdLst>
-    <p:sldId id="256" r:id="rId8"/>
-    <p:sldId id="257" r:id="rId9"/>
-    <p:sldId id="258" r:id="rId10"/>
-    <p:sldId id="259" r:id="rId11"/>
-    <p:sldId id="260" r:id="rId12"/>
-    <p:sldId id="261" r:id="rId13"/>
-    <p:sldId id="262" r:id="rId14"/>
-    <p:sldId id="263" r:id="rId15"/>
-    <p:sldId id="264" r:id="rId16"/>
-    <p:sldId id="265" r:id="rId17"/>
-    <p:sldId id="266" r:id="rId18"/>
-    <p:sldId id="267" r:id="rId19"/>
-    <p:sldId id="268" r:id="rId20"/>
+    <p:sldId id="256" r:id="rId2"/>
+    <p:sldId id="257" r:id="rId3"/>
+    <p:sldId id="258" r:id="rId4"/>
+    <p:sldId id="259" r:id="rId5"/>
+    <p:sldId id="260" r:id="rId6"/>
+    <p:sldId id="261" r:id="rId7"/>
+    <p:sldId id="262" r:id="rId8"/>
+    <p:sldId id="263" r:id="rId9"/>
+    <p:sldId id="264" r:id="rId10"/>
+    <p:sldId id="265" r:id="rId11"/>
+    <p:sldId id="266" r:id="rId12"/>
+    <p:sldId id="267" r:id="rId13"/>
+    <p:sldId id="268" r:id="rId14"/>
   </p:sldIdLst>
-  <p:sldSz cx="9144000" cy="5143500"/>
+  <p:sldSz cx="9144000" cy="5143500" type="screen16x9"/>
   <p:notesSz cx="6858000" cy="9144000"/>
   <p:defaultTextStyle>
     <a:defPPr marL="0" marR="0" indent="0" algn="l" defTabSz="914400" rtl="0" fontAlgn="auto" latinLnBrk="1" hangingPunct="0">
@@ -40,7 +40,7 @@
       <a:buFontTx/>
       <a:buNone/>
       <a:tabLst/>
-      <a:defRPr b="0" baseline="0" cap="none" i="0" spc="0" strike="noStrike" sz="1800" u="none" kumimoji="0" normalizeH="0">
+      <a:defRPr kumimoji="0" sz="1800" b="0" i="0" u="none" strike="noStrike" cap="none" spc="0" normalizeH="0" baseline="0">
         <a:ln>
           <a:noFill/>
         </a:ln>
@@ -66,7 +66,7 @@
       <a:buFontTx/>
       <a:buNone/>
       <a:tabLst/>
-      <a:defRPr b="0" baseline="0" cap="none" i="0" spc="0" strike="noStrike" sz="1400" u="none" kumimoji="0" normalizeH="0">
+      <a:defRPr kumimoji="0" sz="1400" b="0" i="0" u="none" strike="noStrike" cap="none" spc="0" normalizeH="0" baseline="0">
         <a:ln>
           <a:noFill/>
         </a:ln>
@@ -96,7 +96,7 @@
       <a:buFontTx/>
       <a:buNone/>
       <a:tabLst/>
-      <a:defRPr b="0" baseline="0" cap="none" i="0" spc="0" strike="noStrike" sz="1400" u="none" kumimoji="0" normalizeH="0">
+      <a:defRPr kumimoji="0" sz="1400" b="0" i="0" u="none" strike="noStrike" cap="none" spc="0" normalizeH="0" baseline="0">
         <a:ln>
           <a:noFill/>
         </a:ln>
@@ -126,7 +126,7 @@
       <a:buFontTx/>
       <a:buNone/>
       <a:tabLst/>
-      <a:defRPr b="0" baseline="0" cap="none" i="0" spc="0" strike="noStrike" sz="1400" u="none" kumimoji="0" normalizeH="0">
+      <a:defRPr kumimoji="0" sz="1400" b="0" i="0" u="none" strike="noStrike" cap="none" spc="0" normalizeH="0" baseline="0">
         <a:ln>
           <a:noFill/>
         </a:ln>
@@ -156,7 +156,7 @@
       <a:buFontTx/>
       <a:buNone/>
       <a:tabLst/>
-      <a:defRPr b="0" baseline="0" cap="none" i="0" spc="0" strike="noStrike" sz="1400" u="none" kumimoji="0" normalizeH="0">
+      <a:defRPr kumimoji="0" sz="1400" b="0" i="0" u="none" strike="noStrike" cap="none" spc="0" normalizeH="0" baseline="0">
         <a:ln>
           <a:noFill/>
         </a:ln>
@@ -186,7 +186,7 @@
       <a:buFontTx/>
       <a:buNone/>
       <a:tabLst/>
-      <a:defRPr b="0" baseline="0" cap="none" i="0" spc="0" strike="noStrike" sz="1400" u="none" kumimoji="0" normalizeH="0">
+      <a:defRPr kumimoji="0" sz="1400" b="0" i="0" u="none" strike="noStrike" cap="none" spc="0" normalizeH="0" baseline="0">
         <a:ln>
           <a:noFill/>
         </a:ln>
@@ -216,7 +216,7 @@
       <a:buFontTx/>
       <a:buNone/>
       <a:tabLst/>
-      <a:defRPr b="0" baseline="0" cap="none" i="0" spc="0" strike="noStrike" sz="1400" u="none" kumimoji="0" normalizeH="0">
+      <a:defRPr kumimoji="0" sz="1400" b="0" i="0" u="none" strike="noStrike" cap="none" spc="0" normalizeH="0" baseline="0">
         <a:ln>
           <a:noFill/>
         </a:ln>
@@ -246,7 +246,7 @@
       <a:buFontTx/>
       <a:buNone/>
       <a:tabLst/>
-      <a:defRPr b="0" baseline="0" cap="none" i="0" spc="0" strike="noStrike" sz="1400" u="none" kumimoji="0" normalizeH="0">
+      <a:defRPr kumimoji="0" sz="1400" b="0" i="0" u="none" strike="noStrike" cap="none" spc="0" normalizeH="0" baseline="0">
         <a:ln>
           <a:noFill/>
         </a:ln>
@@ -276,7 +276,7 @@
       <a:buFontTx/>
       <a:buNone/>
       <a:tabLst/>
-      <a:defRPr b="0" baseline="0" cap="none" i="0" spc="0" strike="noStrike" sz="1400" u="none" kumimoji="0" normalizeH="0">
+      <a:defRPr kumimoji="0" sz="1400" b="0" i="0" u="none" strike="noStrike" cap="none" spc="0" normalizeH="0" baseline="0">
         <a:ln>
           <a:noFill/>
         </a:ln>
@@ -306,7 +306,7 @@
       <a:buFontTx/>
       <a:buNone/>
       <a:tabLst/>
-      <a:defRPr b="0" baseline="0" cap="none" i="0" spc="0" strike="noStrike" sz="1400" u="none" kumimoji="0" normalizeH="0">
+      <a:defRPr kumimoji="0" sz="1400" b="0" i="0" u="none" strike="noStrike" cap="none" spc="0" normalizeH="0" baseline="0">
         <a:ln>
           <a:noFill/>
         </a:ln>
@@ -325,13 +325,14 @@
 </p:presentation>
 </file>
 
-<file path=ppt/commentAuthors.xml><?xml version="1.0" encoding="utf-8"?>
-<p:cmAuthorLst xmlns:a="http://schemas.openxmlformats.org/drawingml/2006/main" xmlns:r="http://schemas.openxmlformats.org/officeDocument/2006/relationships" xmlns:p="http://schemas.openxmlformats.org/presentationml/2006/main" xmlns:m="http://schemas.openxmlformats.org/officeDocument/2006/math" xmlns:a14="http://schemas.microsoft.com/office/drawing/2010/main"/>
-</file>
-
 <file path=ppt/notesMasters/notesMaster1.xml><?xml version="1.0" encoding="utf-8"?>
-<p:notesMaster xmlns:a="http://schemas.openxmlformats.org/drawingml/2006/main" xmlns:r="http://schemas.openxmlformats.org/officeDocument/2006/relationships" xmlns:p="http://schemas.openxmlformats.org/presentationml/2006/main" xmlns:m="http://schemas.openxmlformats.org/officeDocument/2006/math" xmlns:a14="http://schemas.microsoft.com/office/drawing/2010/main">
+<p:notesMaster xmlns:a="http://schemas.openxmlformats.org/drawingml/2006/main" xmlns:r="http://schemas.openxmlformats.org/officeDocument/2006/relationships" xmlns:p="http://schemas.openxmlformats.org/presentationml/2006/main">
   <p:cSld>
+    <p:bg>
+      <p:bgRef idx="1001">
+        <a:schemeClr val="bg1"/>
+      </p:bgRef>
+    </p:bg>
     <p:spTree>
       <p:nvGrpSpPr>
         <p:cNvPr id="1" name=""/>
@@ -349,7 +350,9 @@
       <p:sp>
         <p:nvSpPr>
           <p:cNvPr id="113" name="Shape 113"/>
-          <p:cNvSpPr/>
+          <p:cNvSpPr>
+            <a:spLocks noGrp="1" noRot="1" noChangeAspect="1"/>
+          </p:cNvSpPr>
           <p:nvPr>
             <p:ph type="sldImg"/>
           </p:nvPr>
@@ -367,14 +370,16 @@
           <a:bodyPr/>
           <a:lstStyle/>
           <a:p>
-            <a:pPr/>
+            <a:endParaRPr/>
           </a:p>
         </p:txBody>
       </p:sp>
       <p:sp>
         <p:nvSpPr>
           <p:cNvPr id="114" name="Shape 114"/>
-          <p:cNvSpPr/>
+          <p:cNvSpPr>
+            <a:spLocks noGrp="1"/>
+          </p:cNvSpPr>
           <p:nvPr>
             <p:ph type="body" sz="quarter" idx="1"/>
           </p:nvPr>
@@ -392,7 +397,7 @@
           <a:bodyPr/>
           <a:lstStyle/>
           <a:p>
-            <a:pPr/>
+            <a:endParaRPr/>
           </a:p>
         </p:txBody>
       </p:sp>
@@ -477,13 +482,14 @@
 </file>
 
 <file path=ppt/slideLayouts/slideLayout1.xml><?xml version="1.0" encoding="utf-8"?>
-<p:sldLayout xmlns:a="http://schemas.openxmlformats.org/drawingml/2006/main" xmlns:r="http://schemas.openxmlformats.org/officeDocument/2006/relationships" xmlns:p="http://schemas.openxmlformats.org/presentationml/2006/main" xmlns:m="http://schemas.openxmlformats.org/officeDocument/2006/math" xmlns:a14="http://schemas.microsoft.com/office/drawing/2010/main" type="tx" showMasterSp="0" showMasterPhAnim="1">
+<p:sldLayout xmlns:a="http://schemas.openxmlformats.org/drawingml/2006/main" xmlns:r="http://schemas.openxmlformats.org/officeDocument/2006/relationships" xmlns:p="http://schemas.openxmlformats.org/presentationml/2006/main" showMasterSp="0" type="tx">
   <p:cSld name="SECTION_HEADER">
     <p:bg>
       <p:bgPr>
         <a:solidFill>
           <a:srgbClr val="1A9988"/>
         </a:solidFill>
+        <a:effectLst/>
       </p:bgPr>
     </p:bg>
     <p:spTree>
@@ -550,6 +556,7 @@
                   </a:solidFill>
                 </a:defRPr>
               </a:pPr>
+              <a:endParaRPr/>
             </a:p>
           </p:txBody>
         </p:sp>
@@ -589,6 +596,7 @@
                   </a:solidFill>
                 </a:defRPr>
               </a:pPr>
+              <a:endParaRPr/>
             </a:p>
           </p:txBody>
         </p:sp>
@@ -596,7 +604,9 @@
       <p:sp>
         <p:nvSpPr>
           <p:cNvPr id="18" name="Title Text"/>
-          <p:cNvSpPr txBox="1"/>
+          <p:cNvSpPr txBox="1">
+            <a:spLocks noGrp="1"/>
+          </p:cNvSpPr>
           <p:nvPr>
             <p:ph type="title"/>
           </p:nvPr>
@@ -622,7 +632,6 @@
             </a:lvl1pPr>
           </a:lstStyle>
           <a:p>
-            <a:pPr/>
             <a:r>
               <a:t>Title Text</a:t>
             </a:r>
@@ -632,7 +641,9 @@
       <p:sp>
         <p:nvSpPr>
           <p:cNvPr id="19" name="Slide Number"/>
-          <p:cNvSpPr txBox="1"/>
+          <p:cNvSpPr txBox="1">
+            <a:spLocks noGrp="1"/>
+          </p:cNvSpPr>
           <p:nvPr>
             <p:ph type="sldNum" sz="quarter" idx="2"/>
           </p:nvPr>
@@ -654,8 +665,12 @@
             </a:lvl1pPr>
           </a:lstStyle>
           <a:p>
-            <a:pPr/>
-            <a:fld id="{86CB4B4D-7CA3-9044-876B-883B54F8677D}" type="slidenum"/>
+            <a:fld id="{86CB4B4D-7CA3-9044-876B-883B54F8677D}" type="slidenum">
+              <a:rPr/>
+              <a:pPr/>
+              <a:t>‹#›</a:t>
+            </a:fld>
+            <a:endParaRPr/>
           </a:p>
         </p:txBody>
       </p:sp>
@@ -664,12 +679,12 @@
   <p:clrMapOvr>
     <a:masterClrMapping/>
   </p:clrMapOvr>
-  <p:transition xmlns:p14="http://schemas.microsoft.com/office/powerpoint/2010/main" spd="med" advClick="1"/>
+  <p:transition spd="med"/>
 </p:sldLayout>
 </file>
 
 <file path=ppt/slideLayouts/slideLayout10.xml><?xml version="1.0" encoding="utf-8"?>
-<p:sldLayout xmlns:a="http://schemas.openxmlformats.org/drawingml/2006/main" xmlns:r="http://schemas.openxmlformats.org/officeDocument/2006/relationships" xmlns:p="http://schemas.openxmlformats.org/presentationml/2006/main" xmlns:m="http://schemas.openxmlformats.org/officeDocument/2006/math" xmlns:a14="http://schemas.microsoft.com/office/drawing/2010/main" type="tx" showMasterSp="0" showMasterPhAnim="1">
+<p:sldLayout xmlns:a="http://schemas.openxmlformats.org/drawingml/2006/main" xmlns:r="http://schemas.openxmlformats.org/officeDocument/2006/relationships" xmlns:p="http://schemas.openxmlformats.org/presentationml/2006/main" showMasterSp="0" type="tx">
   <p:cSld name="BLANK">
     <p:spTree>
       <p:nvGrpSpPr>
@@ -688,7 +703,9 @@
       <p:sp>
         <p:nvSpPr>
           <p:cNvPr id="107" name="Slide Number"/>
-          <p:cNvSpPr txBox="1"/>
+          <p:cNvSpPr txBox="1">
+            <a:spLocks noGrp="1"/>
+          </p:cNvSpPr>
           <p:nvPr>
             <p:ph type="sldNum" sz="quarter" idx="2"/>
           </p:nvPr>
@@ -702,8 +719,12 @@
           <a:bodyPr/>
           <a:lstStyle/>
           <a:p>
-            <a:pPr/>
-            <a:fld id="{86CB4B4D-7CA3-9044-876B-883B54F8677D}" type="slidenum"/>
+            <a:fld id="{86CB4B4D-7CA3-9044-876B-883B54F8677D}" type="slidenum">
+              <a:rPr/>
+              <a:pPr/>
+              <a:t>‹#›</a:t>
+            </a:fld>
+            <a:endParaRPr/>
           </a:p>
         </p:txBody>
       </p:sp>
@@ -712,12 +733,12 @@
   <p:clrMapOvr>
     <a:masterClrMapping/>
   </p:clrMapOvr>
-  <p:transition xmlns:p14="http://schemas.microsoft.com/office/powerpoint/2010/main" spd="med" advClick="1"/>
+  <p:transition spd="med"/>
 </p:sldLayout>
 </file>
 
 <file path=ppt/slideLayouts/slideLayout2.xml><?xml version="1.0" encoding="utf-8"?>
-<p:sldLayout xmlns:a="http://schemas.openxmlformats.org/drawingml/2006/main" xmlns:r="http://schemas.openxmlformats.org/officeDocument/2006/relationships" xmlns:p="http://schemas.openxmlformats.org/presentationml/2006/main" xmlns:m="http://schemas.openxmlformats.org/officeDocument/2006/math" xmlns:a14="http://schemas.microsoft.com/office/drawing/2010/main" type="tx" showMasterSp="1" showMasterPhAnim="1">
+<p:sldLayout xmlns:a="http://schemas.openxmlformats.org/drawingml/2006/main" xmlns:r="http://schemas.openxmlformats.org/officeDocument/2006/relationships" xmlns:p="http://schemas.openxmlformats.org/presentationml/2006/main" type="tx">
   <p:cSld name="TITLE_AND_BODY">
     <p:spTree>
       <p:nvGrpSpPr>
@@ -736,7 +757,9 @@
       <p:sp>
         <p:nvSpPr>
           <p:cNvPr id="26" name="Title Text"/>
-          <p:cNvSpPr txBox="1"/>
+          <p:cNvSpPr txBox="1">
+            <a:spLocks noGrp="1"/>
+          </p:cNvSpPr>
           <p:nvPr>
             <p:ph type="title"/>
           </p:nvPr>
@@ -750,7 +773,6 @@
           <a:bodyPr/>
           <a:lstStyle/>
           <a:p>
-            <a:pPr/>
             <a:r>
               <a:t>Title Text</a:t>
             </a:r>
@@ -760,7 +782,9 @@
       <p:sp>
         <p:nvSpPr>
           <p:cNvPr id="27" name="Body Level One…"/>
-          <p:cNvSpPr txBox="1"/>
+          <p:cNvSpPr txBox="1">
+            <a:spLocks noGrp="1"/>
+          </p:cNvSpPr>
           <p:nvPr>
             <p:ph type="body" sz="half" idx="1"/>
           </p:nvPr>
@@ -774,7 +798,6 @@
           <a:bodyPr/>
           <a:lstStyle/>
           <a:p>
-            <a:pPr/>
             <a:r>
               <a:t>Body Level One</a:t>
             </a:r>
@@ -808,7 +831,9 @@
       <p:sp>
         <p:nvSpPr>
           <p:cNvPr id="28" name="Slide Number"/>
-          <p:cNvSpPr txBox="1"/>
+          <p:cNvSpPr txBox="1">
+            <a:spLocks noGrp="1"/>
+          </p:cNvSpPr>
           <p:nvPr>
             <p:ph type="sldNum" sz="quarter" idx="2"/>
           </p:nvPr>
@@ -822,8 +847,12 @@
           <a:bodyPr/>
           <a:lstStyle/>
           <a:p>
-            <a:pPr/>
-            <a:fld id="{86CB4B4D-7CA3-9044-876B-883B54F8677D}" type="slidenum"/>
+            <a:fld id="{86CB4B4D-7CA3-9044-876B-883B54F8677D}" type="slidenum">
+              <a:rPr/>
+              <a:pPr/>
+              <a:t>‹#›</a:t>
+            </a:fld>
+            <a:endParaRPr/>
           </a:p>
         </p:txBody>
       </p:sp>
@@ -832,12 +861,12 @@
   <p:clrMapOvr>
     <a:masterClrMapping/>
   </p:clrMapOvr>
-  <p:transition xmlns:p14="http://schemas.microsoft.com/office/powerpoint/2010/main" spd="med" advClick="1"/>
+  <p:transition spd="med"/>
 </p:sldLayout>
 </file>
 
 <file path=ppt/slideLayouts/slideLayout3.xml><?xml version="1.0" encoding="utf-8"?>
-<p:sldLayout xmlns:a="http://schemas.openxmlformats.org/drawingml/2006/main" xmlns:r="http://schemas.openxmlformats.org/officeDocument/2006/relationships" xmlns:p="http://schemas.openxmlformats.org/presentationml/2006/main" xmlns:m="http://schemas.openxmlformats.org/officeDocument/2006/math" xmlns:a14="http://schemas.microsoft.com/office/drawing/2010/main" type="tx" showMasterSp="1" showMasterPhAnim="1">
+<p:sldLayout xmlns:a="http://schemas.openxmlformats.org/drawingml/2006/main" xmlns:r="http://schemas.openxmlformats.org/officeDocument/2006/relationships" xmlns:p="http://schemas.openxmlformats.org/presentationml/2006/main" type="tx">
   <p:cSld name="TITLE_AND_TWO_COLUMNS">
     <p:spTree>
       <p:nvGrpSpPr>
@@ -856,7 +885,9 @@
       <p:sp>
         <p:nvSpPr>
           <p:cNvPr id="35" name="Title Text"/>
-          <p:cNvSpPr txBox="1"/>
+          <p:cNvSpPr txBox="1">
+            <a:spLocks noGrp="1"/>
+          </p:cNvSpPr>
           <p:nvPr>
             <p:ph type="title"/>
           </p:nvPr>
@@ -874,7 +905,6 @@
           <a:bodyPr/>
           <a:lstStyle/>
           <a:p>
-            <a:pPr/>
             <a:r>
               <a:t>Title Text</a:t>
             </a:r>
@@ -884,7 +914,9 @@
       <p:sp>
         <p:nvSpPr>
           <p:cNvPr id="36" name="Body Level One…"/>
-          <p:cNvSpPr txBox="1"/>
+          <p:cNvSpPr txBox="1">
+            <a:spLocks noGrp="1"/>
+          </p:cNvSpPr>
           <p:nvPr>
             <p:ph type="body" sz="quarter" idx="1"/>
           </p:nvPr>
@@ -902,7 +934,6 @@
           <a:bodyPr/>
           <a:lstStyle/>
           <a:p>
-            <a:pPr/>
             <a:r>
               <a:t>Body Level One</a:t>
             </a:r>
@@ -936,7 +967,9 @@
       <p:sp>
         <p:nvSpPr>
           <p:cNvPr id="37" name="Google Shape;38;p5"/>
-          <p:cNvSpPr txBox="1"/>
+          <p:cNvSpPr txBox="1">
+            <a:spLocks noGrp="1"/>
+          </p:cNvSpPr>
           <p:nvPr>
             <p:ph type="body" sz="quarter" idx="13"/>
           </p:nvPr>
@@ -954,14 +987,16 @@
           <a:bodyPr/>
           <a:lstStyle/>
           <a:p>
-            <a:pPr/>
+            <a:endParaRPr/>
           </a:p>
         </p:txBody>
       </p:sp>
       <p:sp>
         <p:nvSpPr>
           <p:cNvPr id="38" name="Slide Number"/>
-          <p:cNvSpPr txBox="1"/>
+          <p:cNvSpPr txBox="1">
+            <a:spLocks noGrp="1"/>
+          </p:cNvSpPr>
           <p:nvPr>
             <p:ph type="sldNum" sz="quarter" idx="2"/>
           </p:nvPr>
@@ -975,8 +1010,12 @@
           <a:bodyPr/>
           <a:lstStyle/>
           <a:p>
-            <a:pPr/>
-            <a:fld id="{86CB4B4D-7CA3-9044-876B-883B54F8677D}" type="slidenum"/>
+            <a:fld id="{86CB4B4D-7CA3-9044-876B-883B54F8677D}" type="slidenum">
+              <a:rPr/>
+              <a:pPr/>
+              <a:t>‹#›</a:t>
+            </a:fld>
+            <a:endParaRPr/>
           </a:p>
         </p:txBody>
       </p:sp>
@@ -985,12 +1024,12 @@
   <p:clrMapOvr>
     <a:masterClrMapping/>
   </p:clrMapOvr>
-  <p:transition xmlns:p14="http://schemas.microsoft.com/office/powerpoint/2010/main" spd="med" advClick="1"/>
+  <p:transition spd="med"/>
 </p:sldLayout>
 </file>
 
 <file path=ppt/slideLayouts/slideLayout4.xml><?xml version="1.0" encoding="utf-8"?>
-<p:sldLayout xmlns:a="http://schemas.openxmlformats.org/drawingml/2006/main" xmlns:r="http://schemas.openxmlformats.org/officeDocument/2006/relationships" xmlns:p="http://schemas.openxmlformats.org/presentationml/2006/main" xmlns:m="http://schemas.openxmlformats.org/officeDocument/2006/math" xmlns:a14="http://schemas.microsoft.com/office/drawing/2010/main" type="tx" showMasterSp="1" showMasterPhAnim="1">
+<p:sldLayout xmlns:a="http://schemas.openxmlformats.org/drawingml/2006/main" xmlns:r="http://schemas.openxmlformats.org/officeDocument/2006/relationships" xmlns:p="http://schemas.openxmlformats.org/presentationml/2006/main" type="tx">
   <p:cSld name="TITLE_ONLY">
     <p:spTree>
       <p:nvGrpSpPr>
@@ -1009,7 +1048,9 @@
       <p:sp>
         <p:nvSpPr>
           <p:cNvPr id="45" name="Title Text"/>
-          <p:cNvSpPr txBox="1"/>
+          <p:cNvSpPr txBox="1">
+            <a:spLocks noGrp="1"/>
+          </p:cNvSpPr>
           <p:nvPr>
             <p:ph type="title"/>
           </p:nvPr>
@@ -1027,7 +1068,6 @@
           <a:bodyPr/>
           <a:lstStyle/>
           <a:p>
-            <a:pPr/>
             <a:r>
               <a:t>Title Text</a:t>
             </a:r>
@@ -1037,7 +1077,9 @@
       <p:sp>
         <p:nvSpPr>
           <p:cNvPr id="46" name="Slide Number"/>
-          <p:cNvSpPr txBox="1"/>
+          <p:cNvSpPr txBox="1">
+            <a:spLocks noGrp="1"/>
+          </p:cNvSpPr>
           <p:nvPr>
             <p:ph type="sldNum" sz="quarter" idx="2"/>
           </p:nvPr>
@@ -1051,8 +1093,12 @@
           <a:bodyPr/>
           <a:lstStyle/>
           <a:p>
-            <a:pPr/>
-            <a:fld id="{86CB4B4D-7CA3-9044-876B-883B54F8677D}" type="slidenum"/>
+            <a:fld id="{86CB4B4D-7CA3-9044-876B-883B54F8677D}" type="slidenum">
+              <a:rPr/>
+              <a:pPr/>
+              <a:t>‹#›</a:t>
+            </a:fld>
+            <a:endParaRPr/>
           </a:p>
         </p:txBody>
       </p:sp>
@@ -1061,12 +1107,12 @@
   <p:clrMapOvr>
     <a:masterClrMapping/>
   </p:clrMapOvr>
-  <p:transition xmlns:p14="http://schemas.microsoft.com/office/powerpoint/2010/main" spd="med" advClick="1"/>
+  <p:transition spd="med"/>
 </p:sldLayout>
 </file>
 
 <file path=ppt/slideLayouts/slideLayout5.xml><?xml version="1.0" encoding="utf-8"?>
-<p:sldLayout xmlns:a="http://schemas.openxmlformats.org/drawingml/2006/main" xmlns:r="http://schemas.openxmlformats.org/officeDocument/2006/relationships" xmlns:p="http://schemas.openxmlformats.org/presentationml/2006/main" xmlns:m="http://schemas.openxmlformats.org/officeDocument/2006/math" xmlns:a14="http://schemas.microsoft.com/office/drawing/2010/main" type="tx" showMasterSp="1" showMasterPhAnim="1">
+<p:sldLayout xmlns:a="http://schemas.openxmlformats.org/drawingml/2006/main" xmlns:r="http://schemas.openxmlformats.org/officeDocument/2006/relationships" xmlns:p="http://schemas.openxmlformats.org/presentationml/2006/main" type="tx">
   <p:cSld name="ONE_COLUMN_TEXT">
     <p:spTree>
       <p:nvGrpSpPr>
@@ -1085,7 +1131,9 @@
       <p:sp>
         <p:nvSpPr>
           <p:cNvPr id="53" name="Title Text"/>
-          <p:cNvSpPr txBox="1"/>
+          <p:cNvSpPr txBox="1">
+            <a:spLocks noGrp="1"/>
+          </p:cNvSpPr>
           <p:nvPr>
             <p:ph type="title"/>
           </p:nvPr>
@@ -1103,7 +1151,6 @@
           <a:bodyPr/>
           <a:lstStyle/>
           <a:p>
-            <a:pPr/>
             <a:r>
               <a:t>Title Text</a:t>
             </a:r>
@@ -1113,7 +1160,9 @@
       <p:sp>
         <p:nvSpPr>
           <p:cNvPr id="54" name="Body Level One…"/>
-          <p:cNvSpPr txBox="1"/>
+          <p:cNvSpPr txBox="1">
+            <a:spLocks noGrp="1"/>
+          </p:cNvSpPr>
           <p:nvPr>
             <p:ph type="body" sz="quarter" idx="1"/>
           </p:nvPr>
@@ -1131,7 +1180,6 @@
           <a:bodyPr/>
           <a:lstStyle/>
           <a:p>
-            <a:pPr/>
             <a:r>
               <a:t>Body Level One</a:t>
             </a:r>
@@ -1165,7 +1213,9 @@
       <p:sp>
         <p:nvSpPr>
           <p:cNvPr id="55" name="Slide Number"/>
-          <p:cNvSpPr txBox="1"/>
+          <p:cNvSpPr txBox="1">
+            <a:spLocks noGrp="1"/>
+          </p:cNvSpPr>
           <p:nvPr>
             <p:ph type="sldNum" sz="quarter" idx="2"/>
           </p:nvPr>
@@ -1179,8 +1229,12 @@
           <a:bodyPr/>
           <a:lstStyle/>
           <a:p>
-            <a:pPr/>
-            <a:fld id="{86CB4B4D-7CA3-9044-876B-883B54F8677D}" type="slidenum"/>
+            <a:fld id="{86CB4B4D-7CA3-9044-876B-883B54F8677D}" type="slidenum">
+              <a:rPr/>
+              <a:pPr/>
+              <a:t>‹#›</a:t>
+            </a:fld>
+            <a:endParaRPr/>
           </a:p>
         </p:txBody>
       </p:sp>
@@ -1189,18 +1243,19 @@
   <p:clrMapOvr>
     <a:masterClrMapping/>
   </p:clrMapOvr>
-  <p:transition xmlns:p14="http://schemas.microsoft.com/office/powerpoint/2010/main" spd="med" advClick="1"/>
+  <p:transition spd="med"/>
 </p:sldLayout>
 </file>
 
 <file path=ppt/slideLayouts/slideLayout6.xml><?xml version="1.0" encoding="utf-8"?>
-<p:sldLayout xmlns:a="http://schemas.openxmlformats.org/drawingml/2006/main" xmlns:r="http://schemas.openxmlformats.org/officeDocument/2006/relationships" xmlns:p="http://schemas.openxmlformats.org/presentationml/2006/main" xmlns:m="http://schemas.openxmlformats.org/officeDocument/2006/math" xmlns:a14="http://schemas.microsoft.com/office/drawing/2010/main" type="tx" showMasterSp="0" showMasterPhAnim="1">
+<p:sldLayout xmlns:a="http://schemas.openxmlformats.org/drawingml/2006/main" xmlns:r="http://schemas.openxmlformats.org/officeDocument/2006/relationships" xmlns:p="http://schemas.openxmlformats.org/presentationml/2006/main" showMasterSp="0" type="tx">
   <p:cSld name="MAIN_POINT">
     <p:bg>
       <p:bgPr>
         <a:solidFill>
           <a:schemeClr val="accent3"/>
         </a:solidFill>
+        <a:effectLst/>
       </p:bgPr>
     </p:bg>
     <p:spTree>
@@ -1267,6 +1322,7 @@
                   </a:solidFill>
                 </a:defRPr>
               </a:pPr>
+              <a:endParaRPr/>
             </a:p>
           </p:txBody>
         </p:sp>
@@ -1306,6 +1362,7 @@
                   </a:solidFill>
                 </a:defRPr>
               </a:pPr>
+              <a:endParaRPr/>
             </a:p>
           </p:txBody>
         </p:sp>
@@ -1313,7 +1370,9 @@
       <p:sp>
         <p:nvSpPr>
           <p:cNvPr id="65" name="Title Text"/>
-          <p:cNvSpPr txBox="1"/>
+          <p:cNvSpPr txBox="1">
+            <a:spLocks noGrp="1"/>
+          </p:cNvSpPr>
           <p:nvPr>
             <p:ph type="title"/>
           </p:nvPr>
@@ -1339,7 +1398,6 @@
             </a:lvl1pPr>
           </a:lstStyle>
           <a:p>
-            <a:pPr/>
             <a:r>
               <a:t>Title Text</a:t>
             </a:r>
@@ -1349,7 +1407,9 @@
       <p:sp>
         <p:nvSpPr>
           <p:cNvPr id="66" name="Slide Number"/>
-          <p:cNvSpPr txBox="1"/>
+          <p:cNvSpPr txBox="1">
+            <a:spLocks noGrp="1"/>
+          </p:cNvSpPr>
           <p:nvPr>
             <p:ph type="sldNum" sz="quarter" idx="2"/>
           </p:nvPr>
@@ -1371,8 +1431,12 @@
             </a:lvl1pPr>
           </a:lstStyle>
           <a:p>
-            <a:pPr/>
-            <a:fld id="{86CB4B4D-7CA3-9044-876B-883B54F8677D}" type="slidenum"/>
+            <a:fld id="{86CB4B4D-7CA3-9044-876B-883B54F8677D}" type="slidenum">
+              <a:rPr/>
+              <a:pPr/>
+              <a:t>‹#›</a:t>
+            </a:fld>
+            <a:endParaRPr/>
           </a:p>
         </p:txBody>
       </p:sp>
@@ -1381,12 +1445,12 @@
   <p:clrMapOvr>
     <a:masterClrMapping/>
   </p:clrMapOvr>
-  <p:transition xmlns:p14="http://schemas.microsoft.com/office/powerpoint/2010/main" spd="med" advClick="1"/>
+  <p:transition spd="med"/>
 </p:sldLayout>
 </file>
 
 <file path=ppt/slideLayouts/slideLayout7.xml><?xml version="1.0" encoding="utf-8"?>
-<p:sldLayout xmlns:a="http://schemas.openxmlformats.org/drawingml/2006/main" xmlns:r="http://schemas.openxmlformats.org/officeDocument/2006/relationships" xmlns:p="http://schemas.openxmlformats.org/presentationml/2006/main" xmlns:m="http://schemas.openxmlformats.org/officeDocument/2006/math" xmlns:a14="http://schemas.microsoft.com/office/drawing/2010/main" type="tx" showMasterSp="0" showMasterPhAnim="1">
+<p:sldLayout xmlns:a="http://schemas.openxmlformats.org/drawingml/2006/main" xmlns:r="http://schemas.openxmlformats.org/officeDocument/2006/relationships" xmlns:p="http://schemas.openxmlformats.org/presentationml/2006/main" showMasterSp="0" type="tx">
   <p:cSld name="SECTION_TITLE_AND_DESCRIPTION">
     <p:spTree>
       <p:nvGrpSpPr>
@@ -1434,6 +1498,7 @@
                 </a:solidFill>
               </a:defRPr>
             </a:pPr>
+            <a:endParaRPr/>
           </a:p>
         </p:txBody>
       </p:sp>
@@ -1487,6 +1552,7 @@
                   </a:solidFill>
                 </a:defRPr>
               </a:pPr>
+              <a:endParaRPr/>
             </a:p>
           </p:txBody>
         </p:sp>
@@ -1526,6 +1592,7 @@
                   </a:solidFill>
                 </a:defRPr>
               </a:pPr>
+              <a:endParaRPr/>
             </a:p>
           </p:txBody>
         </p:sp>
@@ -1533,7 +1600,9 @@
       <p:sp>
         <p:nvSpPr>
           <p:cNvPr id="77" name="Title Text"/>
-          <p:cNvSpPr txBox="1"/>
+          <p:cNvSpPr txBox="1">
+            <a:spLocks noGrp="1"/>
+          </p:cNvSpPr>
           <p:nvPr>
             <p:ph type="title"/>
           </p:nvPr>
@@ -1551,7 +1620,6 @@
           <a:bodyPr/>
           <a:lstStyle/>
           <a:p>
-            <a:pPr/>
             <a:r>
               <a:t>Title Text</a:t>
             </a:r>
@@ -1561,7 +1629,9 @@
       <p:sp>
         <p:nvSpPr>
           <p:cNvPr id="78" name="Body Level One…"/>
-          <p:cNvSpPr txBox="1"/>
+          <p:cNvSpPr txBox="1">
+            <a:spLocks noGrp="1"/>
+          </p:cNvSpPr>
           <p:nvPr>
             <p:ph type="body" sz="quarter" idx="1"/>
           </p:nvPr>
@@ -1630,7 +1700,6 @@
             </a:lvl5pPr>
           </a:lstStyle>
           <a:p>
-            <a:pPr/>
             <a:r>
               <a:t>Body Level One</a:t>
             </a:r>
@@ -1664,7 +1733,9 @@
       <p:sp>
         <p:nvSpPr>
           <p:cNvPr id="79" name="Google Shape;68;p9"/>
-          <p:cNvSpPr txBox="1"/>
+          <p:cNvSpPr txBox="1">
+            <a:spLocks noGrp="1"/>
+          </p:cNvSpPr>
           <p:nvPr>
             <p:ph type="body" sz="half" idx="13"/>
           </p:nvPr>
@@ -1682,14 +1753,16 @@
           <a:bodyPr/>
           <a:lstStyle/>
           <a:p>
-            <a:pPr/>
+            <a:endParaRPr/>
           </a:p>
         </p:txBody>
       </p:sp>
       <p:sp>
         <p:nvSpPr>
           <p:cNvPr id="80" name="Slide Number"/>
-          <p:cNvSpPr txBox="1"/>
+          <p:cNvSpPr txBox="1">
+            <a:spLocks noGrp="1"/>
+          </p:cNvSpPr>
           <p:nvPr>
             <p:ph type="sldNum" sz="quarter" idx="2"/>
           </p:nvPr>
@@ -1703,8 +1776,12 @@
           <a:bodyPr/>
           <a:lstStyle/>
           <a:p>
-            <a:pPr/>
-            <a:fld id="{86CB4B4D-7CA3-9044-876B-883B54F8677D}" type="slidenum"/>
+            <a:fld id="{86CB4B4D-7CA3-9044-876B-883B54F8677D}" type="slidenum">
+              <a:rPr/>
+              <a:pPr/>
+              <a:t>‹#›</a:t>
+            </a:fld>
+            <a:endParaRPr/>
           </a:p>
         </p:txBody>
       </p:sp>
@@ -1713,12 +1790,12 @@
   <p:clrMapOvr>
     <a:masterClrMapping/>
   </p:clrMapOvr>
-  <p:transition xmlns:p14="http://schemas.microsoft.com/office/powerpoint/2010/main" spd="med" advClick="1"/>
+  <p:transition spd="med"/>
 </p:sldLayout>
 </file>
 
 <file path=ppt/slideLayouts/slideLayout8.xml><?xml version="1.0" encoding="utf-8"?>
-<p:sldLayout xmlns:a="http://schemas.openxmlformats.org/drawingml/2006/main" xmlns:r="http://schemas.openxmlformats.org/officeDocument/2006/relationships" xmlns:p="http://schemas.openxmlformats.org/presentationml/2006/main" xmlns:m="http://schemas.openxmlformats.org/officeDocument/2006/math" xmlns:a14="http://schemas.microsoft.com/office/drawing/2010/main" type="tx" showMasterSp="0" showMasterPhAnim="1">
+<p:sldLayout xmlns:a="http://schemas.openxmlformats.org/drawingml/2006/main" xmlns:r="http://schemas.openxmlformats.org/officeDocument/2006/relationships" xmlns:p="http://schemas.openxmlformats.org/presentationml/2006/main" showMasterSp="0" type="tx">
   <p:cSld name="CAPTION_ONLY">
     <p:spTree>
       <p:nvGrpSpPr>
@@ -1737,7 +1814,9 @@
       <p:sp>
         <p:nvSpPr>
           <p:cNvPr id="87" name="Body Level One…"/>
-          <p:cNvSpPr txBox="1"/>
+          <p:cNvSpPr txBox="1">
+            <a:spLocks noGrp="1"/>
+          </p:cNvSpPr>
           <p:nvPr>
             <p:ph type="body" sz="quarter" idx="1"/>
           </p:nvPr>
@@ -1793,7 +1872,6 @@
             </a:lvl5pPr>
           </a:lstStyle>
           <a:p>
-            <a:pPr/>
             <a:r>
               <a:t>Body Level One</a:t>
             </a:r>
@@ -1827,7 +1905,9 @@
       <p:sp>
         <p:nvSpPr>
           <p:cNvPr id="88" name="Slide Number"/>
-          <p:cNvSpPr txBox="1"/>
+          <p:cNvSpPr txBox="1">
+            <a:spLocks noGrp="1"/>
+          </p:cNvSpPr>
           <p:nvPr>
             <p:ph type="sldNum" sz="quarter" idx="2"/>
           </p:nvPr>
@@ -1841,8 +1921,12 @@
           <a:bodyPr/>
           <a:lstStyle/>
           <a:p>
-            <a:pPr/>
-            <a:fld id="{86CB4B4D-7CA3-9044-876B-883B54F8677D}" type="slidenum"/>
+            <a:fld id="{86CB4B4D-7CA3-9044-876B-883B54F8677D}" type="slidenum">
+              <a:rPr/>
+              <a:pPr/>
+              <a:t>‹#›</a:t>
+            </a:fld>
+            <a:endParaRPr/>
           </a:p>
         </p:txBody>
       </p:sp>
@@ -1851,18 +1935,19 @@
   <p:clrMapOvr>
     <a:masterClrMapping/>
   </p:clrMapOvr>
-  <p:transition xmlns:p14="http://schemas.microsoft.com/office/powerpoint/2010/main" spd="med" advClick="1"/>
+  <p:transition spd="med"/>
 </p:sldLayout>
 </file>
 
 <file path=ppt/slideLayouts/slideLayout9.xml><?xml version="1.0" encoding="utf-8"?>
-<p:sldLayout xmlns:a="http://schemas.openxmlformats.org/drawingml/2006/main" xmlns:r="http://schemas.openxmlformats.org/officeDocument/2006/relationships" xmlns:p="http://schemas.openxmlformats.org/presentationml/2006/main" xmlns:m="http://schemas.openxmlformats.org/officeDocument/2006/math" xmlns:a14="http://schemas.microsoft.com/office/drawing/2010/main" type="tx" showMasterSp="0" showMasterPhAnim="1">
+<p:sldLayout xmlns:a="http://schemas.openxmlformats.org/drawingml/2006/main" xmlns:r="http://schemas.openxmlformats.org/officeDocument/2006/relationships" xmlns:p="http://schemas.openxmlformats.org/presentationml/2006/main" showMasterSp="0" type="tx">
   <p:cSld name="BIG_NUMBER">
     <p:bg>
       <p:bgPr>
         <a:solidFill>
           <a:srgbClr val="1A9988"/>
         </a:solidFill>
+        <a:effectLst/>
       </p:bgPr>
     </p:bg>
     <p:spTree>
@@ -1929,6 +2014,7 @@
                   </a:solidFill>
                 </a:defRPr>
               </a:pPr>
+              <a:endParaRPr/>
             </a:p>
           </p:txBody>
         </p:sp>
@@ -1968,6 +2054,7 @@
                   </a:solidFill>
                 </a:defRPr>
               </a:pPr>
+              <a:endParaRPr/>
             </a:p>
           </p:txBody>
         </p:sp>
@@ -1975,7 +2062,9 @@
       <p:sp>
         <p:nvSpPr>
           <p:cNvPr id="98" name="Title Text"/>
-          <p:cNvSpPr txBox="1"/>
+          <p:cNvSpPr txBox="1">
+            <a:spLocks noGrp="1"/>
+          </p:cNvSpPr>
           <p:nvPr>
             <p:ph type="title"/>
           </p:nvPr>
@@ -2001,7 +2090,6 @@
             </a:lvl1pPr>
           </a:lstStyle>
           <a:p>
-            <a:pPr/>
             <a:r>
               <a:t>Title Text</a:t>
             </a:r>
@@ -2011,7 +2099,9 @@
       <p:sp>
         <p:nvSpPr>
           <p:cNvPr id="99" name="Body Level One…"/>
-          <p:cNvSpPr txBox="1"/>
+          <p:cNvSpPr txBox="1">
+            <a:spLocks noGrp="1"/>
+          </p:cNvSpPr>
           <p:nvPr>
             <p:ph type="body" sz="half" idx="1"/>
           </p:nvPr>
@@ -2080,7 +2170,6 @@
             </a:lvl5pPr>
           </a:lstStyle>
           <a:p>
-            <a:pPr/>
             <a:r>
               <a:t>Body Level One</a:t>
             </a:r>
@@ -2114,7 +2203,9 @@
       <p:sp>
         <p:nvSpPr>
           <p:cNvPr id="100" name="Slide Number"/>
-          <p:cNvSpPr txBox="1"/>
+          <p:cNvSpPr txBox="1">
+            <a:spLocks noGrp="1"/>
+          </p:cNvSpPr>
           <p:nvPr>
             <p:ph type="sldNum" sz="quarter" idx="2"/>
           </p:nvPr>
@@ -2136,8 +2227,12 @@
             </a:lvl1pPr>
           </a:lstStyle>
           <a:p>
-            <a:pPr/>
-            <a:fld id="{86CB4B4D-7CA3-9044-876B-883B54F8677D}" type="slidenum"/>
+            <a:fld id="{86CB4B4D-7CA3-9044-876B-883B54F8677D}" type="slidenum">
+              <a:rPr/>
+              <a:pPr/>
+              <a:t>‹#›</a:t>
+            </a:fld>
+            <a:endParaRPr/>
           </a:p>
         </p:txBody>
       </p:sp>
@@ -2146,18 +2241,19 @@
   <p:clrMapOvr>
     <a:masterClrMapping/>
   </p:clrMapOvr>
-  <p:transition xmlns:p14="http://schemas.microsoft.com/office/powerpoint/2010/main" spd="med" advClick="1"/>
+  <p:transition spd="med"/>
 </p:sldLayout>
 </file>
 
 <file path=ppt/slideMasters/slideMaster1.xml><?xml version="1.0" encoding="utf-8"?>
-<p:sldMaster xmlns:a="http://schemas.openxmlformats.org/drawingml/2006/main" xmlns:r="http://schemas.openxmlformats.org/officeDocument/2006/relationships" xmlns:p="http://schemas.openxmlformats.org/presentationml/2006/main" xmlns:m="http://schemas.openxmlformats.org/officeDocument/2006/math" xmlns:a14="http://schemas.microsoft.com/office/drawing/2010/main">
+<p:sldMaster xmlns:a="http://schemas.openxmlformats.org/drawingml/2006/main" xmlns:r="http://schemas.openxmlformats.org/officeDocument/2006/relationships" xmlns:p="http://schemas.openxmlformats.org/presentationml/2006/main">
   <p:cSld>
     <p:bg>
       <p:bgPr>
         <a:solidFill>
           <a:srgbClr val="FFFFFF"/>
         </a:solidFill>
+        <a:effectLst/>
       </p:bgPr>
     </p:bg>
     <p:spTree>
@@ -2206,6 +2302,7 @@
                 </a:solidFill>
               </a:defRPr>
             </a:pPr>
+            <a:endParaRPr/>
           </a:p>
         </p:txBody>
       </p:sp>
@@ -2259,6 +2356,7 @@
                   </a:solidFill>
                 </a:defRPr>
               </a:pPr>
+              <a:endParaRPr/>
             </a:p>
           </p:txBody>
         </p:sp>
@@ -2298,6 +2396,7 @@
                   </a:solidFill>
                 </a:defRPr>
               </a:pPr>
+              <a:endParaRPr/>
             </a:p>
           </p:txBody>
         </p:sp>
@@ -2305,7 +2404,9 @@
       <p:sp>
         <p:nvSpPr>
           <p:cNvPr id="6" name="Title Text"/>
-          <p:cNvSpPr txBox="1"/>
+          <p:cNvSpPr txBox="1">
+            <a:spLocks noGrp="1"/>
+          </p:cNvSpPr>
           <p:nvPr>
             <p:ph type="title"/>
           </p:nvPr>
@@ -2323,17 +2424,16 @@
           </a:ln>
           <a:extLst>
             <a:ext uri="{C572A759-6A51-4108-AA02-DFA0A04FC94B}">
-              <ma14:wrappingTextBoxFlag xmlns:ma14="http://schemas.microsoft.com/office/mac/drawingml/2011/main" val="1"/>
+              <ma14:wrappingTextBoxFlag xmlns:ma14="http://schemas.microsoft.com/office/mac/drawingml/2011/main" xmlns:a14="http://schemas.microsoft.com/office/drawing/2010/main" xmlns:m="http://schemas.openxmlformats.org/officeDocument/2006/math" xmlns="" val="1"/>
             </a:ext>
           </a:extLst>
         </p:spPr>
         <p:txBody>
           <a:bodyPr lIns="91423" tIns="91423" rIns="91423" bIns="91423">
-            <a:normAutofit fontScale="100000" lnSpcReduction="0"/>
+            <a:normAutofit/>
           </a:bodyPr>
           <a:lstStyle/>
           <a:p>
-            <a:pPr/>
             <a:r>
               <a:t>Title Text</a:t>
             </a:r>
@@ -2343,7 +2443,9 @@
       <p:sp>
         <p:nvSpPr>
           <p:cNvPr id="7" name="Body Level One…"/>
-          <p:cNvSpPr txBox="1"/>
+          <p:cNvSpPr txBox="1">
+            <a:spLocks noGrp="1"/>
+          </p:cNvSpPr>
           <p:nvPr>
             <p:ph type="body" idx="1"/>
           </p:nvPr>
@@ -2361,17 +2463,16 @@
           </a:ln>
           <a:extLst>
             <a:ext uri="{C572A759-6A51-4108-AA02-DFA0A04FC94B}">
-              <ma14:wrappingTextBoxFlag xmlns:ma14="http://schemas.microsoft.com/office/mac/drawingml/2011/main" val="1"/>
+              <ma14:wrappingTextBoxFlag xmlns:ma14="http://schemas.microsoft.com/office/mac/drawingml/2011/main" xmlns:a14="http://schemas.microsoft.com/office/drawing/2010/main" xmlns:m="http://schemas.openxmlformats.org/officeDocument/2006/math" xmlns="" val="1"/>
             </a:ext>
           </a:extLst>
         </p:spPr>
         <p:txBody>
           <a:bodyPr lIns="91423" tIns="91423" rIns="91423" bIns="91423">
-            <a:normAutofit fontScale="100000" lnSpcReduction="0"/>
+            <a:normAutofit/>
           </a:bodyPr>
           <a:lstStyle/>
           <a:p>
-            <a:pPr/>
             <a:r>
               <a:t>Body Level One</a:t>
             </a:r>
@@ -2405,7 +2506,9 @@
       <p:sp>
         <p:nvSpPr>
           <p:cNvPr id="8" name="Slide Number"/>
-          <p:cNvSpPr txBox="1"/>
+          <p:cNvSpPr txBox="1">
+            <a:spLocks noGrp="1"/>
+          </p:cNvSpPr>
           <p:nvPr>
             <p:ph type="sldNum" sz="quarter" idx="2"/>
           </p:nvPr>
@@ -2440,8 +2543,12 @@
             </a:lvl1pPr>
           </a:lstStyle>
           <a:p>
-            <a:pPr/>
-            <a:fld id="{86CB4B4D-7CA3-9044-876B-883B54F8677D}" type="slidenum"/>
+            <a:fld id="{86CB4B4D-7CA3-9044-876B-883B54F8677D}" type="slidenum">
+              <a:rPr/>
+              <a:pPr/>
+              <a:t>‹#›</a:t>
+            </a:fld>
+            <a:endParaRPr/>
           </a:p>
         </p:txBody>
       </p:sp>
@@ -2449,18 +2556,18 @@
   </p:cSld>
   <p:clrMap bg1="dk1" tx1="lt1" bg2="dk2" tx2="lt2" accent1="accent1" accent2="accent2" accent3="accent3" accent4="accent4" accent5="accent5" accent6="accent6" hlink="hlink" folHlink="folHlink"/>
   <p:sldLayoutIdLst>
-    <p:sldLayoutId id="2147483649" r:id="rId2"/>
-    <p:sldLayoutId id="2147483650" r:id="rId3"/>
-    <p:sldLayoutId id="2147483651" r:id="rId4"/>
-    <p:sldLayoutId id="2147483652" r:id="rId5"/>
-    <p:sldLayoutId id="2147483653" r:id="rId6"/>
-    <p:sldLayoutId id="2147483654" r:id="rId7"/>
-    <p:sldLayoutId id="2147483655" r:id="rId8"/>
-    <p:sldLayoutId id="2147483656" r:id="rId9"/>
-    <p:sldLayoutId id="2147483657" r:id="rId10"/>
-    <p:sldLayoutId id="2147483658" r:id="rId11"/>
+    <p:sldLayoutId id="2147483649" r:id="rId1"/>
+    <p:sldLayoutId id="2147483650" r:id="rId2"/>
+    <p:sldLayoutId id="2147483651" r:id="rId3"/>
+    <p:sldLayoutId id="2147483652" r:id="rId4"/>
+    <p:sldLayoutId id="2147483653" r:id="rId5"/>
+    <p:sldLayoutId id="2147483654" r:id="rId6"/>
+    <p:sldLayoutId id="2147483655" r:id="rId7"/>
+    <p:sldLayoutId id="2147483656" r:id="rId8"/>
+    <p:sldLayoutId id="2147483657" r:id="rId9"/>
+    <p:sldLayoutId id="2147483658" r:id="rId10"/>
   </p:sldLayoutIdLst>
-  <p:transition xmlns:p14="http://schemas.microsoft.com/office/powerpoint/2010/main" spd="med" advClick="1"/>
+  <p:transition spd="med"/>
   <p:txStyles>
     <p:titleStyle>
       <a:lvl1pPr marL="0" marR="0" indent="0" algn="l" defTabSz="914400" rtl="0" latinLnBrk="0">
@@ -2478,7 +2585,7 @@
         <a:buFontTx/>
         <a:buNone/>
         <a:tabLst/>
-        <a:defRPr b="1" baseline="0" cap="none" i="0" spc="0" strike="noStrike" sz="2600" u="none">
+        <a:defRPr sz="2600" b="1" i="0" u="none" strike="noStrike" cap="none" spc="0" baseline="0">
           <a:ln>
             <a:noFill/>
           </a:ln>
@@ -2507,7 +2614,7 @@
         <a:buFontTx/>
         <a:buNone/>
         <a:tabLst/>
-        <a:defRPr b="1" baseline="0" cap="none" i="0" spc="0" strike="noStrike" sz="2600" u="none">
+        <a:defRPr sz="2600" b="1" i="0" u="none" strike="noStrike" cap="none" spc="0" baseline="0">
           <a:ln>
             <a:noFill/>
           </a:ln>
@@ -2536,7 +2643,7 @@
         <a:buFontTx/>
         <a:buNone/>
         <a:tabLst/>
-        <a:defRPr b="1" baseline="0" cap="none" i="0" spc="0" strike="noStrike" sz="2600" u="none">
+        <a:defRPr sz="2600" b="1" i="0" u="none" strike="noStrike" cap="none" spc="0" baseline="0">
           <a:ln>
             <a:noFill/>
           </a:ln>
@@ -2565,7 +2672,7 @@
         <a:buFontTx/>
         <a:buNone/>
         <a:tabLst/>
-        <a:defRPr b="1" baseline="0" cap="none" i="0" spc="0" strike="noStrike" sz="2600" u="none">
+        <a:defRPr sz="2600" b="1" i="0" u="none" strike="noStrike" cap="none" spc="0" baseline="0">
           <a:ln>
             <a:noFill/>
           </a:ln>
@@ -2594,7 +2701,7 @@
         <a:buFontTx/>
         <a:buNone/>
         <a:tabLst/>
-        <a:defRPr b="1" baseline="0" cap="none" i="0" spc="0" strike="noStrike" sz="2600" u="none">
+        <a:defRPr sz="2600" b="1" i="0" u="none" strike="noStrike" cap="none" spc="0" baseline="0">
           <a:ln>
             <a:noFill/>
           </a:ln>
@@ -2623,7 +2730,7 @@
         <a:buFontTx/>
         <a:buNone/>
         <a:tabLst/>
-        <a:defRPr b="1" baseline="0" cap="none" i="0" spc="0" strike="noStrike" sz="2600" u="none">
+        <a:defRPr sz="2600" b="1" i="0" u="none" strike="noStrike" cap="none" spc="0" baseline="0">
           <a:ln>
             <a:noFill/>
           </a:ln>
@@ -2652,7 +2759,7 @@
         <a:buFontTx/>
         <a:buNone/>
         <a:tabLst/>
-        <a:defRPr b="1" baseline="0" cap="none" i="0" spc="0" strike="noStrike" sz="2600" u="none">
+        <a:defRPr sz="2600" b="1" i="0" u="none" strike="noStrike" cap="none" spc="0" baseline="0">
           <a:ln>
             <a:noFill/>
           </a:ln>
@@ -2681,7 +2788,7 @@
         <a:buFontTx/>
         <a:buNone/>
         <a:tabLst/>
-        <a:defRPr b="1" baseline="0" cap="none" i="0" spc="0" strike="noStrike" sz="2600" u="none">
+        <a:defRPr sz="2600" b="1" i="0" u="none" strike="noStrike" cap="none" spc="0" baseline="0">
           <a:ln>
             <a:noFill/>
           </a:ln>
@@ -2710,7 +2817,7 @@
         <a:buFontTx/>
         <a:buNone/>
         <a:tabLst/>
-        <a:defRPr b="1" baseline="0" cap="none" i="0" spc="0" strike="noStrike" sz="2600" u="none">
+        <a:defRPr sz="2600" b="1" i="0" u="none" strike="noStrike" cap="none" spc="0" baseline="0">
           <a:ln>
             <a:noFill/>
           </a:ln>
@@ -2743,7 +2850,7 @@
         <a:buFont typeface="Helvetica"/>
         <a:buChar char="●"/>
         <a:tabLst/>
-        <a:defRPr b="0" baseline="0" cap="none" i="0" spc="0" strike="noStrike" sz="1300" u="none">
+        <a:defRPr sz="1300" b="0" i="0" u="none" strike="noStrike" cap="none" spc="0" baseline="0">
           <a:ln>
             <a:noFill/>
           </a:ln>
@@ -2774,7 +2881,7 @@
         <a:buFont typeface="Helvetica"/>
         <a:buChar char="○"/>
         <a:tabLst/>
-        <a:defRPr b="0" baseline="0" cap="none" i="0" spc="0" strike="noStrike" sz="1300" u="none">
+        <a:defRPr sz="1300" b="0" i="0" u="none" strike="noStrike" cap="none" spc="0" baseline="0">
           <a:ln>
             <a:noFill/>
           </a:ln>
@@ -2805,7 +2912,7 @@
         <a:buFont typeface="Helvetica"/>
         <a:buChar char="■"/>
         <a:tabLst/>
-        <a:defRPr b="0" baseline="0" cap="none" i="0" spc="0" strike="noStrike" sz="1300" u="none">
+        <a:defRPr sz="1300" b="0" i="0" u="none" strike="noStrike" cap="none" spc="0" baseline="0">
           <a:ln>
             <a:noFill/>
           </a:ln>
@@ -2836,7 +2943,7 @@
         <a:buFont typeface="Helvetica"/>
         <a:buChar char="●"/>
         <a:tabLst/>
-        <a:defRPr b="0" baseline="0" cap="none" i="0" spc="0" strike="noStrike" sz="1300" u="none">
+        <a:defRPr sz="1300" b="0" i="0" u="none" strike="noStrike" cap="none" spc="0" baseline="0">
           <a:ln>
             <a:noFill/>
           </a:ln>
@@ -2867,7 +2974,7 @@
         <a:buFont typeface="Helvetica"/>
         <a:buChar char="○"/>
         <a:tabLst/>
-        <a:defRPr b="0" baseline="0" cap="none" i="0" spc="0" strike="noStrike" sz="1300" u="none">
+        <a:defRPr sz="1300" b="0" i="0" u="none" strike="noStrike" cap="none" spc="0" baseline="0">
           <a:ln>
             <a:noFill/>
           </a:ln>
@@ -2898,7 +3005,7 @@
         <a:buFont typeface="Helvetica"/>
         <a:buChar char="■"/>
         <a:tabLst/>
-        <a:defRPr b="0" baseline="0" cap="none" i="0" spc="0" strike="noStrike" sz="1300" u="none">
+        <a:defRPr sz="1300" b="0" i="0" u="none" strike="noStrike" cap="none" spc="0" baseline="0">
           <a:ln>
             <a:noFill/>
           </a:ln>
@@ -2929,7 +3036,7 @@
         <a:buFont typeface="Helvetica"/>
         <a:buChar char="●"/>
         <a:tabLst/>
-        <a:defRPr b="0" baseline="0" cap="none" i="0" spc="0" strike="noStrike" sz="1300" u="none">
+        <a:defRPr sz="1300" b="0" i="0" u="none" strike="noStrike" cap="none" spc="0" baseline="0">
           <a:ln>
             <a:noFill/>
           </a:ln>
@@ -2960,7 +3067,7 @@
         <a:buFont typeface="Helvetica"/>
         <a:buChar char="○"/>
         <a:tabLst/>
-        <a:defRPr b="0" baseline="0" cap="none" i="0" spc="0" strike="noStrike" sz="1300" u="none">
+        <a:defRPr sz="1300" b="0" i="0" u="none" strike="noStrike" cap="none" spc="0" baseline="0">
           <a:ln>
             <a:noFill/>
           </a:ln>
@@ -2991,7 +3098,7 @@
         <a:buFont typeface="Helvetica"/>
         <a:buChar char="■"/>
         <a:tabLst/>
-        <a:defRPr b="0" baseline="0" cap="none" i="0" spc="0" strike="noStrike" sz="1300" u="none">
+        <a:defRPr sz="1300" b="0" i="0" u="none" strike="noStrike" cap="none" spc="0" baseline="0">
           <a:ln>
             <a:noFill/>
           </a:ln>
@@ -3022,7 +3129,7 @@
         <a:buFontTx/>
         <a:buNone/>
         <a:tabLst/>
-        <a:defRPr b="0" baseline="0" cap="none" i="0" spc="0" strike="noStrike" sz="1000" u="none">
+        <a:defRPr sz="1000" b="0" i="0" u="none" strike="noStrike" cap="none" spc="0" baseline="0">
           <a:ln>
             <a:noFill/>
           </a:ln>
@@ -3051,7 +3158,7 @@
         <a:buFontTx/>
         <a:buNone/>
         <a:tabLst/>
-        <a:defRPr b="0" baseline="0" cap="none" i="0" spc="0" strike="noStrike" sz="1000" u="none">
+        <a:defRPr sz="1000" b="0" i="0" u="none" strike="noStrike" cap="none" spc="0" baseline="0">
           <a:ln>
             <a:noFill/>
           </a:ln>
@@ -3080,7 +3187,7 @@
         <a:buFontTx/>
         <a:buNone/>
         <a:tabLst/>
-        <a:defRPr b="0" baseline="0" cap="none" i="0" spc="0" strike="noStrike" sz="1000" u="none">
+        <a:defRPr sz="1000" b="0" i="0" u="none" strike="noStrike" cap="none" spc="0" baseline="0">
           <a:ln>
             <a:noFill/>
           </a:ln>
@@ -3109,7 +3216,7 @@
         <a:buFontTx/>
         <a:buNone/>
         <a:tabLst/>
-        <a:defRPr b="0" baseline="0" cap="none" i="0" spc="0" strike="noStrike" sz="1000" u="none">
+        <a:defRPr sz="1000" b="0" i="0" u="none" strike="noStrike" cap="none" spc="0" baseline="0">
           <a:ln>
             <a:noFill/>
           </a:ln>
@@ -3138,7 +3245,7 @@
         <a:buFontTx/>
         <a:buNone/>
         <a:tabLst/>
-        <a:defRPr b="0" baseline="0" cap="none" i="0" spc="0" strike="noStrike" sz="1000" u="none">
+        <a:defRPr sz="1000" b="0" i="0" u="none" strike="noStrike" cap="none" spc="0" baseline="0">
           <a:ln>
             <a:noFill/>
           </a:ln>
@@ -3167,7 +3274,7 @@
         <a:buFontTx/>
         <a:buNone/>
         <a:tabLst/>
-        <a:defRPr b="0" baseline="0" cap="none" i="0" spc="0" strike="noStrike" sz="1000" u="none">
+        <a:defRPr sz="1000" b="0" i="0" u="none" strike="noStrike" cap="none" spc="0" baseline="0">
           <a:ln>
             <a:noFill/>
           </a:ln>
@@ -3196,7 +3303,7 @@
         <a:buFontTx/>
         <a:buNone/>
         <a:tabLst/>
-        <a:defRPr b="0" baseline="0" cap="none" i="0" spc="0" strike="noStrike" sz="1000" u="none">
+        <a:defRPr sz="1000" b="0" i="0" u="none" strike="noStrike" cap="none" spc="0" baseline="0">
           <a:ln>
             <a:noFill/>
           </a:ln>
@@ -3225,7 +3332,7 @@
         <a:buFontTx/>
         <a:buNone/>
         <a:tabLst/>
-        <a:defRPr b="0" baseline="0" cap="none" i="0" spc="0" strike="noStrike" sz="1000" u="none">
+        <a:defRPr sz="1000" b="0" i="0" u="none" strike="noStrike" cap="none" spc="0" baseline="0">
           <a:ln>
             <a:noFill/>
           </a:ln>
@@ -3254,7 +3361,7 @@
         <a:buFontTx/>
         <a:buNone/>
         <a:tabLst/>
-        <a:defRPr b="0" baseline="0" cap="none" i="0" spc="0" strike="noStrike" sz="1000" u="none">
+        <a:defRPr sz="1000" b="0" i="0" u="none" strike="noStrike" cap="none" spc="0" baseline="0">
           <a:ln>
             <a:noFill/>
           </a:ln>
@@ -3274,7 +3381,7 @@
 </file>
 
 <file path=ppt/slides/slide1.xml><?xml version="1.0" encoding="utf-8"?>
-<p:sld xmlns:a="http://schemas.openxmlformats.org/drawingml/2006/main" xmlns:r="http://schemas.openxmlformats.org/officeDocument/2006/relationships" xmlns:p="http://schemas.openxmlformats.org/presentationml/2006/main" xmlns:m="http://schemas.openxmlformats.org/officeDocument/2006/math" xmlns:a14="http://schemas.microsoft.com/office/drawing/2010/main" showMasterSp="1" showMasterPhAnim="1">
+<p:sld xmlns:a="http://schemas.openxmlformats.org/drawingml/2006/main" xmlns:r="http://schemas.openxmlformats.org/officeDocument/2006/relationships" xmlns:p="http://schemas.openxmlformats.org/presentationml/2006/main">
   <p:cSld>
     <p:spTree>
       <p:nvGrpSpPr>
@@ -3309,7 +3416,7 @@
           </a:ln>
           <a:extLst>
             <a:ext uri="{C572A759-6A51-4108-AA02-DFA0A04FC94B}">
-              <ma14:wrappingTextBoxFlag xmlns:ma14="http://schemas.microsoft.com/office/mac/drawingml/2011/main" val="1"/>
+              <ma14:wrappingTextBoxFlag xmlns:ma14="http://schemas.microsoft.com/office/mac/drawingml/2011/main" xmlns:a14="http://schemas.microsoft.com/office/drawing/2010/main" xmlns:m="http://schemas.openxmlformats.org/officeDocument/2006/math" xmlns="" val="1"/>
             </a:ext>
           </a:extLst>
         </p:spPr>
@@ -3319,7 +3426,7 @@
           </a:bodyPr>
           <a:lstStyle>
             <a:lvl1pPr>
-              <a:defRPr b="1" sz="3900">
+              <a:defRPr sz="3900" b="1">
                 <a:solidFill>
                   <a:srgbClr val="1A1A1A"/>
                 </a:solidFill>
@@ -3331,7 +3438,6 @@
             </a:lvl1pPr>
           </a:lstStyle>
           <a:p>
-            <a:pPr/>
             <a:r>
               <a:t>Functions</a:t>
             </a:r>
@@ -3343,12 +3449,19 @@
   <p:clrMapOvr>
     <a:masterClrMapping/>
   </p:clrMapOvr>
-  <p:transition xmlns:p14="http://schemas.microsoft.com/office/powerpoint/2010/main" spd="med" advClick="1"/>
+  <p:transition spd="med"/>
+  <p:timing>
+    <p:tnLst>
+      <p:par>
+        <p:cTn id="1" dur="indefinite" restart="never" nodeType="tmRoot"/>
+      </p:par>
+    </p:tnLst>
+  </p:timing>
 </p:sld>
 </file>
 
 <file path=ppt/slides/slide10.xml><?xml version="1.0" encoding="utf-8"?>
-<p:sld xmlns:a="http://schemas.openxmlformats.org/drawingml/2006/main" xmlns:r="http://schemas.openxmlformats.org/officeDocument/2006/relationships" xmlns:p="http://schemas.openxmlformats.org/presentationml/2006/main" xmlns:m="http://schemas.openxmlformats.org/officeDocument/2006/math" xmlns:a14="http://schemas.microsoft.com/office/drawing/2010/main" showMasterSp="1" showMasterPhAnim="1">
+<p:sld xmlns:a="http://schemas.openxmlformats.org/drawingml/2006/main" xmlns:r="http://schemas.openxmlformats.org/officeDocument/2006/relationships" xmlns:p="http://schemas.openxmlformats.org/presentationml/2006/main">
   <p:cSld>
     <p:spTree>
       <p:nvGrpSpPr>
@@ -3367,7 +3480,9 @@
       <p:sp>
         <p:nvSpPr>
           <p:cNvPr id="146" name="Default Arguments in Functions"/>
-          <p:cNvSpPr txBox="1"/>
+          <p:cNvSpPr txBox="1">
+            <a:spLocks noGrp="1"/>
+          </p:cNvSpPr>
           <p:nvPr>
             <p:ph type="title"/>
           </p:nvPr>
@@ -3389,7 +3504,6 @@
             </a:lvl1pPr>
           </a:lstStyle>
           <a:p>
-            <a:pPr/>
             <a:r>
               <a:t>Default Arguments in Functions</a:t>
             </a:r>
@@ -3401,12 +3515,19 @@
   <p:clrMapOvr>
     <a:masterClrMapping/>
   </p:clrMapOvr>
-  <p:transition xmlns:p14="http://schemas.microsoft.com/office/powerpoint/2010/main" spd="med" advClick="1"/>
+  <p:transition spd="med"/>
+  <p:timing>
+    <p:tnLst>
+      <p:par>
+        <p:cTn id="1" dur="indefinite" restart="never" nodeType="tmRoot"/>
+      </p:par>
+    </p:tnLst>
+  </p:timing>
 </p:sld>
 </file>
 
 <file path=ppt/slides/slide11.xml><?xml version="1.0" encoding="utf-8"?>
-<p:sld xmlns:a="http://schemas.openxmlformats.org/drawingml/2006/main" xmlns:r="http://schemas.openxmlformats.org/officeDocument/2006/relationships" xmlns:p="http://schemas.openxmlformats.org/presentationml/2006/main" xmlns:m="http://schemas.openxmlformats.org/officeDocument/2006/math" xmlns:a14="http://schemas.microsoft.com/office/drawing/2010/main" showMasterSp="1" showMasterPhAnim="1">
+<p:sld xmlns:a="http://schemas.openxmlformats.org/drawingml/2006/main" xmlns:r="http://schemas.openxmlformats.org/officeDocument/2006/relationships" xmlns:p="http://schemas.openxmlformats.org/presentationml/2006/main">
   <p:cSld>
     <p:spTree>
       <p:nvGrpSpPr>
@@ -3425,7 +3546,9 @@
       <p:sp>
         <p:nvSpPr>
           <p:cNvPr id="148" name="Default Arguments"/>
-          <p:cNvSpPr txBox="1"/>
+          <p:cNvSpPr txBox="1">
+            <a:spLocks noGrp="1"/>
+          </p:cNvSpPr>
           <p:nvPr>
             <p:ph type="title"/>
           </p:nvPr>
@@ -3443,7 +3566,6 @@
           <a:bodyPr/>
           <a:lstStyle/>
           <a:p>
-            <a:pPr/>
             <a:r>
               <a:t>Default Arguments</a:t>
             </a:r>
@@ -3453,7 +3575,9 @@
       <p:sp>
         <p:nvSpPr>
           <p:cNvPr id="149" name="Default arguments assign default value is no value is passed"/>
-          <p:cNvSpPr txBox="1"/>
+          <p:cNvSpPr txBox="1">
+            <a:spLocks noGrp="1"/>
+          </p:cNvSpPr>
           <p:nvPr>
             <p:ph type="body" sz="quarter" idx="1"/>
           </p:nvPr>
@@ -3479,7 +3603,6 @@
             </a:lvl1pPr>
           </a:lstStyle>
           <a:p>
-            <a:pPr/>
             <a:r>
               <a:t>Default arguments assign default value is no value is passed</a:t>
             </a:r>
@@ -3495,7 +3618,7 @@
         <p:spPr>
           <a:xfrm>
             <a:off x="494048" y="2147760"/>
-            <a:ext cx="8460704" cy="2176287"/>
+            <a:ext cx="8460704" cy="2852882"/>
           </a:xfrm>
           <a:prstGeom prst="rect">
             <a:avLst/>
@@ -3508,13 +3631,13 @@
           </a:ln>
           <a:extLst>
             <a:ext uri="{C572A759-6A51-4108-AA02-DFA0A04FC94B}">
-              <ma14:wrappingTextBoxFlag xmlns:ma14="http://schemas.microsoft.com/office/mac/drawingml/2011/main" val="1"/>
+              <ma14:wrappingTextBoxFlag xmlns:ma14="http://schemas.microsoft.com/office/mac/drawingml/2011/main" xmlns:a14="http://schemas.microsoft.com/office/drawing/2010/main" xmlns:m="http://schemas.openxmlformats.org/officeDocument/2006/math" xmlns="" val="1"/>
             </a:ext>
           </a:extLst>
         </p:spPr>
         <p:txBody>
           <a:bodyPr lIns="91423" tIns="91423" rIns="91423" bIns="91423">
-            <a:normAutofit fontScale="100000" lnSpcReduction="0"/>
+            <a:noAutofit/>
           </a:bodyPr>
           <a:lstStyle/>
           <a:p>
@@ -3533,7 +3656,7 @@
               </a:defRPr>
             </a:pPr>
             <a:r>
-              <a:rPr>
+              <a:rPr sz="2400">
                 <a:solidFill>
                   <a:srgbClr val="569CD6"/>
                 </a:solidFill>
@@ -3541,7 +3664,7 @@
               <a:t>def</a:t>
             </a:r>
             <a:r>
-              <a:rPr>
+              <a:rPr sz="2400">
                 <a:solidFill>
                   <a:srgbClr val="D4D4D4"/>
                 </a:solidFill>
@@ -3549,10 +3672,11 @@
               <a:t> </a:t>
             </a:r>
             <a:r>
+              <a:rPr sz="2400"/>
               <a:t>printmessage</a:t>
             </a:r>
             <a:r>
-              <a:rPr>
+              <a:rPr sz="2400">
                 <a:solidFill>
                   <a:srgbClr val="D4D4D4"/>
                 </a:solidFill>
@@ -3560,7 +3684,7 @@
               <a:t>(</a:t>
             </a:r>
             <a:r>
-              <a:rPr>
+              <a:rPr sz="2400">
                 <a:solidFill>
                   <a:srgbClr val="9CDCFE"/>
                 </a:solidFill>
@@ -3568,7 +3692,7 @@
               <a:t>message</a:t>
             </a:r>
             <a:r>
-              <a:rPr>
+              <a:rPr sz="2400">
                 <a:solidFill>
                   <a:srgbClr val="D4D4D4"/>
                 </a:solidFill>
@@ -3576,7 +3700,7 @@
               <a:t>=</a:t>
             </a:r>
             <a:r>
-              <a:rPr>
+              <a:rPr sz="2400">
                 <a:solidFill>
                   <a:srgbClr val="CE9178"/>
                 </a:solidFill>
@@ -3584,18 +3708,13 @@
               <a:t>"No Message"</a:t>
             </a:r>
             <a:r>
-              <a:rPr>
+              <a:rPr sz="2400">
                 <a:solidFill>
                   <a:srgbClr val="D4D4D4"/>
                 </a:solidFill>
               </a:rPr>
               <a:t>):</a:t>
             </a:r>
-            <a:endParaRPr>
-              <a:solidFill>
-                <a:srgbClr val="D4D4D4"/>
-              </a:solidFill>
-            </a:endParaRPr>
           </a:p>
           <a:p>
             <a:pPr defTabSz="379475">
@@ -3613,7 +3732,7 @@
               </a:defRPr>
             </a:pPr>
             <a:r>
-              <a:rPr>
+              <a:rPr sz="2400">
                 <a:solidFill>
                   <a:srgbClr val="D4D4D4"/>
                 </a:solidFill>
@@ -3621,9 +3740,10 @@
               <a:t>    </a:t>
             </a:r>
             <a:r>
+              <a:rPr sz="2400"/>
               <a:t>"This function prints a message passed"</a:t>
             </a:r>
-            <a:endParaRPr>
+            <a:endParaRPr sz="2400">
               <a:solidFill>
                 <a:srgbClr val="D4D4D4"/>
               </a:solidFill>
@@ -3645,7 +3765,7 @@
               </a:defRPr>
             </a:pPr>
             <a:r>
-              <a:rPr>
+              <a:rPr sz="2400">
                 <a:solidFill>
                   <a:srgbClr val="D4D4D4"/>
                 </a:solidFill>
@@ -3653,7 +3773,7 @@
               <a:t>    </a:t>
             </a:r>
             <a:r>
-              <a:rPr>
+              <a:rPr sz="2400">
                 <a:solidFill>
                   <a:srgbClr val="DCDCAA"/>
                 </a:solidFill>
@@ -3661,7 +3781,7 @@
               <a:t>print</a:t>
             </a:r>
             <a:r>
-              <a:rPr>
+              <a:rPr sz="2400">
                 <a:solidFill>
                   <a:srgbClr val="D4D4D4"/>
                 </a:solidFill>
@@ -3669,21 +3789,17 @@
               <a:t>(</a:t>
             </a:r>
             <a:r>
+              <a:rPr sz="2400"/>
               <a:t>"Message:"</a:t>
             </a:r>
             <a:r>
-              <a:rPr>
+              <a:rPr sz="2400">
                 <a:solidFill>
                   <a:srgbClr val="D4D4D4"/>
                 </a:solidFill>
               </a:rPr>
               <a:t>,message)</a:t>
             </a:r>
-            <a:endParaRPr>
-              <a:solidFill>
-                <a:srgbClr val="D4D4D4"/>
-              </a:solidFill>
-            </a:endParaRPr>
           </a:p>
           <a:p>
             <a:pPr defTabSz="379475">
@@ -3701,7 +3817,7 @@
               </a:defRPr>
             </a:pPr>
             <a:r>
-              <a:rPr>
+              <a:rPr sz="2400">
                 <a:solidFill>
                   <a:srgbClr val="D4D4D4"/>
                 </a:solidFill>
@@ -3709,9 +3825,10 @@
               <a:t>    </a:t>
             </a:r>
             <a:r>
+              <a:rPr sz="2400"/>
               <a:t>return</a:t>
             </a:r>
-            <a:endParaRPr>
+            <a:endParaRPr sz="2400">
               <a:solidFill>
                 <a:srgbClr val="D4D4D4"/>
               </a:solidFill>
@@ -3733,6 +3850,7 @@
               </a:defRPr>
             </a:pPr>
             <a:r>
+              <a:rPr sz="2400"/>
               <a:t>printmessage()</a:t>
             </a:r>
           </a:p>
@@ -3743,12 +3861,19 @@
   <p:clrMapOvr>
     <a:masterClrMapping/>
   </p:clrMapOvr>
-  <p:transition xmlns:p14="http://schemas.microsoft.com/office/powerpoint/2010/main" spd="med" advClick="1"/>
+  <p:transition spd="med"/>
+  <p:timing>
+    <p:tnLst>
+      <p:par>
+        <p:cTn id="1" dur="indefinite" restart="never" nodeType="tmRoot"/>
+      </p:par>
+    </p:tnLst>
+  </p:timing>
 </p:sld>
 </file>
 
 <file path=ppt/slides/slide12.xml><?xml version="1.0" encoding="utf-8"?>
-<p:sld xmlns:a="http://schemas.openxmlformats.org/drawingml/2006/main" xmlns:r="http://schemas.openxmlformats.org/officeDocument/2006/relationships" xmlns:p="http://schemas.openxmlformats.org/presentationml/2006/main" xmlns:m="http://schemas.openxmlformats.org/officeDocument/2006/math" xmlns:a14="http://schemas.microsoft.com/office/drawing/2010/main" showMasterSp="1" showMasterPhAnim="1">
+<p:sld xmlns:a="http://schemas.openxmlformats.org/drawingml/2006/main" xmlns:r="http://schemas.openxmlformats.org/officeDocument/2006/relationships" xmlns:p="http://schemas.openxmlformats.org/presentationml/2006/main">
   <p:cSld>
     <p:spTree>
       <p:nvGrpSpPr>
@@ -3767,7 +3892,9 @@
       <p:sp>
         <p:nvSpPr>
           <p:cNvPr id="152" name="Keyword Arguments"/>
-          <p:cNvSpPr txBox="1"/>
+          <p:cNvSpPr txBox="1">
+            <a:spLocks noGrp="1"/>
+          </p:cNvSpPr>
           <p:nvPr>
             <p:ph type="title"/>
           </p:nvPr>
@@ -3789,7 +3916,6 @@
             </a:lvl1pPr>
           </a:lstStyle>
           <a:p>
-            <a:pPr/>
             <a:r>
               <a:t>Keyword Arguments</a:t>
             </a:r>
@@ -3799,7 +3925,9 @@
       <p:sp>
         <p:nvSpPr>
           <p:cNvPr id="153" name="Arguments can be passed using their names…"/>
-          <p:cNvSpPr txBox="1"/>
+          <p:cNvSpPr txBox="1">
+            <a:spLocks noGrp="1"/>
+          </p:cNvSpPr>
           <p:nvPr>
             <p:ph type="body" sz="quarter" idx="1"/>
           </p:nvPr>
@@ -3814,7 +3942,9 @@
           </a:prstGeom>
         </p:spPr>
         <p:txBody>
-          <a:bodyPr/>
+          <a:bodyPr>
+            <a:normAutofit lnSpcReduction="10000"/>
+          </a:bodyPr>
           <a:lstStyle/>
           <a:p>
             <a:pPr marL="402336" indent="-273812" defTabSz="804672">
@@ -3844,8 +3974,8 @@
         </p:nvSpPr>
         <p:spPr>
           <a:xfrm>
-            <a:off x="341648" y="2465260"/>
-            <a:ext cx="7854775" cy="2176287"/>
+            <a:off x="341649" y="2465260"/>
+            <a:ext cx="7730814" cy="2463944"/>
           </a:xfrm>
           <a:prstGeom prst="rect">
             <a:avLst/>
@@ -3858,20 +3988,17 @@
           </a:ln>
           <a:extLst>
             <a:ext uri="{C572A759-6A51-4108-AA02-DFA0A04FC94B}">
-              <ma14:wrappingTextBoxFlag xmlns:ma14="http://schemas.microsoft.com/office/mac/drawingml/2011/main" val="1"/>
+              <ma14:wrappingTextBoxFlag xmlns:ma14="http://schemas.microsoft.com/office/mac/drawingml/2011/main" xmlns:a14="http://schemas.microsoft.com/office/drawing/2010/main" xmlns:m="http://schemas.openxmlformats.org/officeDocument/2006/math" xmlns="" val="1"/>
             </a:ext>
           </a:extLst>
         </p:spPr>
         <p:txBody>
           <a:bodyPr lIns="91423" tIns="91423" rIns="91423" bIns="91423">
-            <a:normAutofit fontScale="100000" lnSpcReduction="0"/>
+            <a:noAutofit/>
           </a:bodyPr>
           <a:lstStyle/>
           <a:p>
             <a:pPr defTabSz="457200">
-              <a:lnSpc>
-                <a:spcPts val="4300"/>
-              </a:lnSpc>
               <a:defRPr sz="2100">
                 <a:solidFill>
                   <a:srgbClr val="DCDCAA"/>
@@ -3883,7 +4010,7 @@
               </a:defRPr>
             </a:pPr>
             <a:r>
-              <a:rPr>
+              <a:rPr sz="2400">
                 <a:solidFill>
                   <a:srgbClr val="569CD6"/>
                 </a:solidFill>
@@ -3891,7 +4018,7 @@
               <a:t>def</a:t>
             </a:r>
             <a:r>
-              <a:rPr>
+              <a:rPr sz="2400">
                 <a:solidFill>
                   <a:srgbClr val="D4D4D4"/>
                 </a:solidFill>
@@ -3899,10 +4026,11 @@
               <a:t> </a:t>
             </a:r>
             <a:r>
+              <a:rPr sz="2400"/>
               <a:t>printNtimes</a:t>
             </a:r>
             <a:r>
-              <a:rPr>
+              <a:rPr sz="2400">
                 <a:solidFill>
                   <a:srgbClr val="D4D4D4"/>
                 </a:solidFill>
@@ -3910,7 +4038,7 @@
               <a:t>(</a:t>
             </a:r>
             <a:r>
-              <a:rPr>
+              <a:rPr sz="2400">
                 <a:solidFill>
                   <a:srgbClr val="9CDCFE"/>
                 </a:solidFill>
@@ -3918,7 +4046,7 @@
               <a:t>message</a:t>
             </a:r>
             <a:r>
-              <a:rPr>
+              <a:rPr sz="2400">
                 <a:solidFill>
                   <a:srgbClr val="D4D4D4"/>
                 </a:solidFill>
@@ -3926,7 +4054,7 @@
               <a:t>,</a:t>
             </a:r>
             <a:r>
-              <a:rPr>
+              <a:rPr sz="2400">
                 <a:solidFill>
                   <a:srgbClr val="9CDCFE"/>
                 </a:solidFill>
@@ -3934,24 +4062,16 @@
               <a:t>times</a:t>
             </a:r>
             <a:r>
-              <a:rPr>
+              <a:rPr sz="2400">
                 <a:solidFill>
                   <a:srgbClr val="D4D4D4"/>
                 </a:solidFill>
               </a:rPr>
               <a:t>):</a:t>
             </a:r>
-            <a:endParaRPr>
-              <a:solidFill>
-                <a:srgbClr val="D4D4D4"/>
-              </a:solidFill>
-            </a:endParaRPr>
           </a:p>
           <a:p>
             <a:pPr defTabSz="457200">
-              <a:lnSpc>
-                <a:spcPts val="4300"/>
-              </a:lnSpc>
               <a:defRPr sz="2100">
                 <a:solidFill>
                   <a:srgbClr val="CE9178"/>
@@ -3963,7 +4083,7 @@
               </a:defRPr>
             </a:pPr>
             <a:r>
-              <a:rPr>
+              <a:rPr sz="2400">
                 <a:solidFill>
                   <a:srgbClr val="D4D4D4"/>
                 </a:solidFill>
@@ -3971,9 +4091,10 @@
               <a:t>    </a:t>
             </a:r>
             <a:r>
+              <a:rPr sz="2400"/>
               <a:t>"This function prints a message passed"</a:t>
             </a:r>
-            <a:endParaRPr>
+            <a:endParaRPr sz="2400">
               <a:solidFill>
                 <a:srgbClr val="D4D4D4"/>
               </a:solidFill>
@@ -3981,9 +4102,6 @@
           </a:p>
           <a:p>
             <a:pPr defTabSz="457200">
-              <a:lnSpc>
-                <a:spcPts val="4300"/>
-              </a:lnSpc>
               <a:defRPr sz="2100">
                 <a:solidFill>
                   <a:srgbClr val="D4D4D4"/>
@@ -3995,10 +4113,11 @@
               </a:defRPr>
             </a:pPr>
             <a:r>
+              <a:rPr sz="2400"/>
               <a:t>    </a:t>
             </a:r>
             <a:r>
-              <a:rPr>
+              <a:rPr sz="2400">
                 <a:solidFill>
                   <a:srgbClr val="C586C0"/>
                 </a:solidFill>
@@ -4006,10 +4125,11 @@
               <a:t>for</a:t>
             </a:r>
             <a:r>
+              <a:rPr sz="2400"/>
               <a:t> i </a:t>
             </a:r>
             <a:r>
-              <a:rPr>
+              <a:rPr sz="2400">
                 <a:solidFill>
                   <a:srgbClr val="569CD6"/>
                 </a:solidFill>
@@ -4017,10 +4137,11 @@
               <a:t>in</a:t>
             </a:r>
             <a:r>
+              <a:rPr sz="2400"/>
               <a:t> </a:t>
             </a:r>
             <a:r>
-              <a:rPr>
+              <a:rPr sz="2400">
                 <a:solidFill>
                   <a:srgbClr val="DCDCAA"/>
                 </a:solidFill>
@@ -4028,14 +4149,12 @@
               <a:t>range</a:t>
             </a:r>
             <a:r>
+              <a:rPr sz="2400"/>
               <a:t>(times):</a:t>
             </a:r>
           </a:p>
           <a:p>
             <a:pPr defTabSz="457200">
-              <a:lnSpc>
-                <a:spcPts val="4300"/>
-              </a:lnSpc>
               <a:defRPr sz="2100">
                 <a:solidFill>
                   <a:srgbClr val="CE9178"/>
@@ -4047,7 +4166,7 @@
               </a:defRPr>
             </a:pPr>
             <a:r>
-              <a:rPr>
+              <a:rPr sz="2400">
                 <a:solidFill>
                   <a:srgbClr val="D4D4D4"/>
                 </a:solidFill>
@@ -4055,7 +4174,7 @@
               <a:t>        </a:t>
             </a:r>
             <a:r>
-              <a:rPr>
+              <a:rPr sz="2400">
                 <a:solidFill>
                   <a:srgbClr val="DCDCAA"/>
                 </a:solidFill>
@@ -4063,7 +4182,7 @@
               <a:t>print</a:t>
             </a:r>
             <a:r>
-              <a:rPr>
+              <a:rPr sz="2400">
                 <a:solidFill>
                   <a:srgbClr val="D4D4D4"/>
                 </a:solidFill>
@@ -4071,27 +4190,20 @@
               <a:t>(</a:t>
             </a:r>
             <a:r>
+              <a:rPr sz="2400"/>
               <a:t>"Message:"</a:t>
             </a:r>
             <a:r>
-              <a:rPr>
+              <a:rPr sz="2400">
                 <a:solidFill>
                   <a:srgbClr val="D4D4D4"/>
                 </a:solidFill>
               </a:rPr>
               <a:t>,message)</a:t>
             </a:r>
-            <a:endParaRPr>
-              <a:solidFill>
-                <a:srgbClr val="D4D4D4"/>
-              </a:solidFill>
-            </a:endParaRPr>
           </a:p>
           <a:p>
             <a:pPr defTabSz="457200">
-              <a:lnSpc>
-                <a:spcPts val="4300"/>
-              </a:lnSpc>
               <a:defRPr sz="2100">
                 <a:solidFill>
                   <a:srgbClr val="C586C0"/>
@@ -4103,7 +4215,7 @@
               </a:defRPr>
             </a:pPr>
             <a:r>
-              <a:rPr>
+              <a:rPr sz="2400">
                 <a:solidFill>
                   <a:srgbClr val="D4D4D4"/>
                 </a:solidFill>
@@ -4111,9 +4223,10 @@
               <a:t>    </a:t>
             </a:r>
             <a:r>
+              <a:rPr sz="2400"/>
               <a:t>return</a:t>
             </a:r>
-            <a:endParaRPr>
+            <a:endParaRPr sz="2400">
               <a:solidFill>
                 <a:srgbClr val="D4D4D4"/>
               </a:solidFill>
@@ -4121,9 +4234,6 @@
           </a:p>
           <a:p>
             <a:pPr defTabSz="457200">
-              <a:lnSpc>
-                <a:spcPts val="4300"/>
-              </a:lnSpc>
               <a:defRPr sz="2100">
                 <a:solidFill>
                   <a:srgbClr val="D4D4D4"/>
@@ -4135,10 +4245,11 @@
               </a:defRPr>
             </a:pPr>
             <a:r>
+              <a:rPr sz="2400"/>
               <a:t>printNtimes(</a:t>
             </a:r>
             <a:r>
-              <a:rPr>
+              <a:rPr sz="2400">
                 <a:solidFill>
                   <a:srgbClr val="9CDCFE"/>
                 </a:solidFill>
@@ -4146,10 +4257,11 @@
               <a:t>times</a:t>
             </a:r>
             <a:r>
+              <a:rPr sz="2400"/>
               <a:t>=</a:t>
             </a:r>
             <a:r>
-              <a:rPr>
+              <a:rPr sz="2400">
                 <a:solidFill>
                   <a:srgbClr val="B5CEA8"/>
                 </a:solidFill>
@@ -4157,10 +4269,11 @@
               <a:t>3</a:t>
             </a:r>
             <a:r>
+              <a:rPr sz="2400"/>
               <a:t>,</a:t>
             </a:r>
             <a:r>
-              <a:rPr>
+              <a:rPr sz="2400">
                 <a:solidFill>
                   <a:srgbClr val="9CDCFE"/>
                 </a:solidFill>
@@ -4168,10 +4281,11 @@
               <a:t>message</a:t>
             </a:r>
             <a:r>
+              <a:rPr sz="2400"/>
               <a:t>=</a:t>
             </a:r>
             <a:r>
-              <a:rPr>
+              <a:rPr sz="2400">
                 <a:solidFill>
                   <a:srgbClr val="CE9178"/>
                 </a:solidFill>
@@ -4186,12 +4300,12 @@
   <p:clrMapOvr>
     <a:masterClrMapping/>
   </p:clrMapOvr>
-  <p:transition xmlns:p14="http://schemas.microsoft.com/office/powerpoint/2010/main" spd="med" advClick="1"/>
+  <p:transition spd="med"/>
 </p:sld>
 </file>
 
 <file path=ppt/slides/slide13.xml><?xml version="1.0" encoding="utf-8"?>
-<p:sld xmlns:a="http://schemas.openxmlformats.org/drawingml/2006/main" xmlns:r="http://schemas.openxmlformats.org/officeDocument/2006/relationships" xmlns:p="http://schemas.openxmlformats.org/presentationml/2006/main" xmlns:m="http://schemas.openxmlformats.org/officeDocument/2006/math" xmlns:a14="http://schemas.microsoft.com/office/drawing/2010/main" showMasterSp="1" showMasterPhAnim="1">
+<p:sld xmlns:a="http://schemas.openxmlformats.org/drawingml/2006/main" xmlns:r="http://schemas.openxmlformats.org/officeDocument/2006/relationships" xmlns:p="http://schemas.openxmlformats.org/presentationml/2006/main">
   <p:cSld>
     <p:spTree>
       <p:nvGrpSpPr>
@@ -4210,7 +4324,9 @@
       <p:sp>
         <p:nvSpPr>
           <p:cNvPr id="156" name="Variable Length arguments"/>
-          <p:cNvSpPr txBox="1"/>
+          <p:cNvSpPr txBox="1">
+            <a:spLocks noGrp="1"/>
+          </p:cNvSpPr>
           <p:nvPr>
             <p:ph type="title"/>
           </p:nvPr>
@@ -4232,7 +4348,6 @@
             </a:lvl1pPr>
           </a:lstStyle>
           <a:p>
-            <a:pPr/>
             <a:r>
               <a:t>Variable Length arguments</a:t>
             </a:r>
@@ -4242,7 +4357,9 @@
       <p:sp>
         <p:nvSpPr>
           <p:cNvPr id="157" name="Can have many arguments…"/>
-          <p:cNvSpPr txBox="1"/>
+          <p:cNvSpPr txBox="1">
+            <a:spLocks noGrp="1"/>
+          </p:cNvSpPr>
           <p:nvPr>
             <p:ph type="body" sz="quarter" idx="1"/>
           </p:nvPr>
@@ -4257,7 +4374,9 @@
           </a:prstGeom>
         </p:spPr>
         <p:txBody>
-          <a:bodyPr/>
+          <a:bodyPr>
+            <a:normAutofit lnSpcReduction="10000"/>
+          </a:bodyPr>
           <a:lstStyle/>
           <a:p>
             <a:pPr marL="402336" indent="-273812" defTabSz="804672">
@@ -4288,7 +4407,7 @@
         <p:spPr>
           <a:xfrm>
             <a:off x="583080" y="2221230"/>
-            <a:ext cx="7485666" cy="2758439"/>
+            <a:ext cx="7485666" cy="2677652"/>
           </a:xfrm>
           <a:prstGeom prst="rect">
             <a:avLst/>
@@ -4301,7 +4420,7 @@
           </a:ln>
           <a:extLst>
             <a:ext uri="{C572A759-6A51-4108-AA02-DFA0A04FC94B}">
-              <ma14:wrappingTextBoxFlag xmlns:ma14="http://schemas.microsoft.com/office/mac/drawingml/2011/main" val="1"/>
+              <ma14:wrappingTextBoxFlag xmlns:ma14="http://schemas.microsoft.com/office/mac/drawingml/2011/main" xmlns:a14="http://schemas.microsoft.com/office/drawing/2010/main" xmlns:m="http://schemas.openxmlformats.org/officeDocument/2006/math" xmlns="" val="1"/>
             </a:ext>
           </a:extLst>
         </p:spPr>
@@ -4312,9 +4431,6 @@
           <a:lstStyle/>
           <a:p>
             <a:pPr defTabSz="457200">
-              <a:lnSpc>
-                <a:spcPts val="4900"/>
-              </a:lnSpc>
               <a:defRPr sz="2600">
                 <a:solidFill>
                   <a:srgbClr val="9CDCFE"/>
@@ -4326,7 +4442,7 @@
               </a:defRPr>
             </a:pPr>
             <a:r>
-              <a:rPr>
+              <a:rPr sz="2400">
                 <a:solidFill>
                   <a:srgbClr val="569CD6"/>
                 </a:solidFill>
@@ -4334,7 +4450,7 @@
               <a:t>def</a:t>
             </a:r>
             <a:r>
-              <a:rPr>
+              <a:rPr sz="2400">
                 <a:solidFill>
                   <a:srgbClr val="D4D4D4"/>
                 </a:solidFill>
@@ -4342,7 +4458,7 @@
               <a:t> </a:t>
             </a:r>
             <a:r>
-              <a:rPr>
+              <a:rPr sz="2400">
                 <a:solidFill>
                   <a:srgbClr val="DCDCAA"/>
                 </a:solidFill>
@@ -4350,7 +4466,7 @@
               <a:t>add</a:t>
             </a:r>
             <a:r>
-              <a:rPr>
+              <a:rPr sz="2400">
                 <a:solidFill>
                   <a:srgbClr val="D4D4D4"/>
                 </a:solidFill>
@@ -4358,10 +4474,11 @@
               <a:t>(</a:t>
             </a:r>
             <a:r>
+              <a:rPr sz="2400"/>
               <a:t>a</a:t>
             </a:r>
             <a:r>
-              <a:rPr>
+              <a:rPr sz="2400">
                 <a:solidFill>
                   <a:srgbClr val="D4D4D4"/>
                 </a:solidFill>
@@ -4369,10 +4486,11 @@
               <a:t>,</a:t>
             </a:r>
             <a:r>
+              <a:rPr sz="2400"/>
               <a:t>b</a:t>
             </a:r>
             <a:r>
-              <a:rPr>
+              <a:rPr sz="2400">
                 <a:solidFill>
                   <a:srgbClr val="D4D4D4"/>
                 </a:solidFill>
@@ -4380,27 +4498,20 @@
               <a:t>,*</a:t>
             </a:r>
             <a:r>
+              <a:rPr sz="2400"/>
               <a:t>argtuple</a:t>
             </a:r>
             <a:r>
-              <a:rPr>
+              <a:rPr sz="2400">
                 <a:solidFill>
                   <a:srgbClr val="D4D4D4"/>
                 </a:solidFill>
               </a:rPr>
               <a:t>):</a:t>
             </a:r>
-            <a:endParaRPr>
-              <a:solidFill>
-                <a:srgbClr val="D4D4D4"/>
-              </a:solidFill>
-            </a:endParaRPr>
           </a:p>
           <a:p>
             <a:pPr defTabSz="457200">
-              <a:lnSpc>
-                <a:spcPts val="4900"/>
-              </a:lnSpc>
               <a:defRPr sz="2600">
                 <a:solidFill>
                   <a:srgbClr val="D4D4D4"/>
@@ -4412,10 +4523,11 @@
               </a:defRPr>
             </a:pPr>
             <a:r>
+              <a:rPr sz="2400"/>
               <a:t>    </a:t>
             </a:r>
             <a:r>
-              <a:rPr>
+              <a:rPr sz="2400">
                 <a:solidFill>
                   <a:srgbClr val="DCDCAA"/>
                 </a:solidFill>
@@ -4423,14 +4535,12 @@
               <a:t>sum</a:t>
             </a:r>
             <a:r>
+              <a:rPr sz="2400"/>
               <a:t>=a+b</a:t>
             </a:r>
           </a:p>
           <a:p>
             <a:pPr defTabSz="457200">
-              <a:lnSpc>
-                <a:spcPts val="4900"/>
-              </a:lnSpc>
               <a:defRPr sz="2600">
                 <a:solidFill>
                   <a:srgbClr val="D4D4D4"/>
@@ -4442,10 +4552,11 @@
               </a:defRPr>
             </a:pPr>
             <a:r>
+              <a:rPr sz="2400"/>
               <a:t>    </a:t>
             </a:r>
             <a:r>
-              <a:rPr>
+              <a:rPr sz="2400">
                 <a:solidFill>
                   <a:srgbClr val="C586C0"/>
                 </a:solidFill>
@@ -4453,10 +4564,11 @@
               <a:t>for</a:t>
             </a:r>
             <a:r>
+              <a:rPr sz="2400"/>
               <a:t> i </a:t>
             </a:r>
             <a:r>
-              <a:rPr>
+              <a:rPr sz="2400">
                 <a:solidFill>
                   <a:srgbClr val="569CD6"/>
                 </a:solidFill>
@@ -4464,14 +4576,12 @@
               <a:t>in</a:t>
             </a:r>
             <a:r>
+              <a:rPr sz="2400"/>
               <a:t> argtuple:</a:t>
             </a:r>
           </a:p>
           <a:p>
             <a:pPr defTabSz="457200">
-              <a:lnSpc>
-                <a:spcPts val="4900"/>
-              </a:lnSpc>
               <a:defRPr sz="2600">
                 <a:solidFill>
                   <a:srgbClr val="D4D4D4"/>
@@ -4483,10 +4593,11 @@
               </a:defRPr>
             </a:pPr>
             <a:r>
+              <a:rPr sz="2400"/>
               <a:t>        </a:t>
             </a:r>
             <a:r>
-              <a:rPr>
+              <a:rPr sz="2400">
                 <a:solidFill>
                   <a:srgbClr val="DCDCAA"/>
                 </a:solidFill>
@@ -4494,10 +4605,11 @@
               <a:t>sum</a:t>
             </a:r>
             <a:r>
+              <a:rPr sz="2400"/>
               <a:t>=</a:t>
             </a:r>
             <a:r>
-              <a:rPr>
+              <a:rPr sz="2400">
                 <a:solidFill>
                   <a:srgbClr val="DCDCAA"/>
                 </a:solidFill>
@@ -4505,14 +4617,12 @@
               <a:t>sum</a:t>
             </a:r>
             <a:r>
+              <a:rPr sz="2400"/>
               <a:t>+i</a:t>
             </a:r>
           </a:p>
           <a:p>
             <a:pPr defTabSz="457200">
-              <a:lnSpc>
-                <a:spcPts val="4900"/>
-              </a:lnSpc>
               <a:defRPr sz="2600">
                 <a:solidFill>
                   <a:srgbClr val="C586C0"/>
@@ -4524,7 +4634,7 @@
               </a:defRPr>
             </a:pPr>
             <a:r>
-              <a:rPr>
+              <a:rPr sz="2400">
                 <a:solidFill>
                   <a:srgbClr val="D4D4D4"/>
                 </a:solidFill>
@@ -4532,10 +4642,11 @@
               <a:t>    </a:t>
             </a:r>
             <a:r>
+              <a:rPr sz="2400"/>
               <a:t>return</a:t>
             </a:r>
             <a:r>
-              <a:rPr>
+              <a:rPr sz="2400">
                 <a:solidFill>
                   <a:srgbClr val="D4D4D4"/>
                 </a:solidFill>
@@ -4543,14 +4654,14 @@
               <a:t> </a:t>
             </a:r>
             <a:r>
-              <a:rPr>
+              <a:rPr sz="2400">
                 <a:solidFill>
                   <a:srgbClr val="DCDCAA"/>
                 </a:solidFill>
               </a:rPr>
               <a:t>sum</a:t>
             </a:r>
-            <a:endParaRPr>
+            <a:endParaRPr sz="2400">
               <a:solidFill>
                 <a:srgbClr val="D4D4D4"/>
               </a:solidFill>
@@ -4558,9 +4669,6 @@
           </a:p>
           <a:p>
             <a:pPr defTabSz="457200">
-              <a:lnSpc>
-                <a:spcPts val="4900"/>
-              </a:lnSpc>
               <a:defRPr sz="2600">
                 <a:solidFill>
                   <a:srgbClr val="D4D4D4"/>
@@ -4572,7 +4680,7 @@
               </a:defRPr>
             </a:pPr>
             <a:r>
-              <a:rPr>
+              <a:rPr sz="2400">
                 <a:solidFill>
                   <a:srgbClr val="DCDCAA"/>
                 </a:solidFill>
@@ -4580,10 +4688,11 @@
               <a:t>sum</a:t>
             </a:r>
             <a:r>
+              <a:rPr sz="2400"/>
               <a:t>=add(</a:t>
             </a:r>
             <a:r>
-              <a:rPr>
+              <a:rPr sz="2400">
                 <a:solidFill>
                   <a:srgbClr val="B5CEA8"/>
                 </a:solidFill>
@@ -4591,10 +4700,11 @@
               <a:t>1</a:t>
             </a:r>
             <a:r>
+              <a:rPr sz="2400"/>
               <a:t>,</a:t>
             </a:r>
             <a:r>
-              <a:rPr>
+              <a:rPr sz="2400">
                 <a:solidFill>
                   <a:srgbClr val="B5CEA8"/>
                 </a:solidFill>
@@ -4602,10 +4712,11 @@
               <a:t>2</a:t>
             </a:r>
             <a:r>
+              <a:rPr sz="2400"/>
               <a:t>,</a:t>
             </a:r>
             <a:r>
-              <a:rPr>
+              <a:rPr sz="2400">
                 <a:solidFill>
                   <a:srgbClr val="B5CEA8"/>
                 </a:solidFill>
@@ -4613,10 +4724,11 @@
               <a:t>3</a:t>
             </a:r>
             <a:r>
+              <a:rPr sz="2400"/>
               <a:t>,</a:t>
             </a:r>
             <a:r>
-              <a:rPr>
+              <a:rPr sz="2400">
                 <a:solidFill>
                   <a:srgbClr val="B5CEA8"/>
                 </a:solidFill>
@@ -4624,10 +4736,11 @@
               <a:t>4</a:t>
             </a:r>
             <a:r>
+              <a:rPr sz="2400"/>
               <a:t>,</a:t>
             </a:r>
             <a:r>
-              <a:rPr>
+              <a:rPr sz="2400">
                 <a:solidFill>
                   <a:srgbClr val="B5CEA8"/>
                 </a:solidFill>
@@ -4635,10 +4748,11 @@
               <a:t>5</a:t>
             </a:r>
             <a:r>
+              <a:rPr sz="2400"/>
               <a:t>,</a:t>
             </a:r>
             <a:r>
-              <a:rPr>
+              <a:rPr sz="2400">
                 <a:solidFill>
                   <a:srgbClr val="B5CEA8"/>
                 </a:solidFill>
@@ -4646,10 +4760,11 @@
               <a:t>6</a:t>
             </a:r>
             <a:r>
+              <a:rPr sz="2400"/>
               <a:t>,</a:t>
             </a:r>
             <a:r>
-              <a:rPr>
+              <a:rPr sz="2400">
                 <a:solidFill>
                   <a:srgbClr val="B5CEA8"/>
                 </a:solidFill>
@@ -4657,14 +4772,12 @@
               <a:t>6</a:t>
             </a:r>
             <a:r>
+              <a:rPr sz="2400"/>
               <a:t>)</a:t>
             </a:r>
           </a:p>
           <a:p>
             <a:pPr defTabSz="457200">
-              <a:lnSpc>
-                <a:spcPts val="4900"/>
-              </a:lnSpc>
               <a:defRPr sz="2600">
                 <a:solidFill>
                   <a:srgbClr val="DCDCAA"/>
@@ -4676,10 +4789,11 @@
               </a:defRPr>
             </a:pPr>
             <a:r>
+              <a:rPr sz="2400"/>
               <a:t>print</a:t>
             </a:r>
             <a:r>
-              <a:rPr>
+              <a:rPr sz="2400">
                 <a:solidFill>
                   <a:srgbClr val="D4D4D4"/>
                 </a:solidFill>
@@ -4687,6 +4801,7 @@
               <a:t> </a:t>
             </a:r>
             <a:r>
+              <a:rPr sz="2400"/>
               <a:t>sum</a:t>
             </a:r>
           </a:p>
@@ -4697,12 +4812,12 @@
   <p:clrMapOvr>
     <a:masterClrMapping/>
   </p:clrMapOvr>
-  <p:transition xmlns:p14="http://schemas.microsoft.com/office/powerpoint/2010/main" spd="med" advClick="1"/>
+  <p:transition spd="med"/>
 </p:sld>
 </file>
 
 <file path=ppt/slides/slide2.xml><?xml version="1.0" encoding="utf-8"?>
-<p:sld xmlns:a="http://schemas.openxmlformats.org/drawingml/2006/main" xmlns:r="http://schemas.openxmlformats.org/officeDocument/2006/relationships" xmlns:p="http://schemas.openxmlformats.org/presentationml/2006/main" xmlns:m="http://schemas.openxmlformats.org/officeDocument/2006/math" xmlns:a14="http://schemas.microsoft.com/office/drawing/2010/main" showMasterSp="1" showMasterPhAnim="1">
+<p:sld xmlns:a="http://schemas.openxmlformats.org/drawingml/2006/main" xmlns:r="http://schemas.openxmlformats.org/officeDocument/2006/relationships" xmlns:p="http://schemas.openxmlformats.org/presentationml/2006/main">
   <p:cSld>
     <p:spTree>
       <p:nvGrpSpPr>
@@ -4721,7 +4836,9 @@
       <p:sp>
         <p:nvSpPr>
           <p:cNvPr id="118" name="Function"/>
-          <p:cNvSpPr txBox="1"/>
+          <p:cNvSpPr txBox="1">
+            <a:spLocks noGrp="1"/>
+          </p:cNvSpPr>
           <p:nvPr>
             <p:ph type="title"/>
           </p:nvPr>
@@ -4743,7 +4860,6 @@
             </a:lvl1pPr>
           </a:lstStyle>
           <a:p>
-            <a:pPr/>
             <a:r>
               <a:t>Function</a:t>
             </a:r>
@@ -4753,7 +4869,9 @@
       <p:sp>
         <p:nvSpPr>
           <p:cNvPr id="119" name="A function is a block of statements that perform a single task…"/>
-          <p:cNvSpPr txBox="1"/>
+          <p:cNvSpPr txBox="1">
+            <a:spLocks noGrp="1"/>
+          </p:cNvSpPr>
           <p:nvPr>
             <p:ph type="body" idx="1"/>
           </p:nvPr>
@@ -4771,7 +4889,7 @@
           <a:bodyPr/>
           <a:lstStyle/>
           <a:p>
-            <a:pPr lvl="1" marL="621631" indent="-240631" defTabSz="731519">
+            <a:pPr marL="621631" lvl="1" indent="-240631" defTabSz="731519">
               <a:buClrTx/>
               <a:buSzPct val="100000"/>
               <a:buFontTx/>
@@ -4783,7 +4901,7 @@
             </a:r>
           </a:p>
           <a:p>
-            <a:pPr lvl="1" marL="621631" indent="-240631" defTabSz="731519">
+            <a:pPr marL="621631" lvl="1" indent="-240631" defTabSz="731519">
               <a:buClrTx/>
               <a:buSzPct val="100000"/>
               <a:buFontTx/>
@@ -4795,7 +4913,7 @@
             </a:r>
           </a:p>
           <a:p>
-            <a:pPr lvl="1" marL="621631" indent="-240631" defTabSz="731519">
+            <a:pPr marL="621631" lvl="1" indent="-240631" defTabSz="731519">
               <a:buClrTx/>
               <a:buSzPct val="100000"/>
               <a:buFontTx/>
@@ -4813,12 +4931,19 @@
   <p:clrMapOvr>
     <a:masterClrMapping/>
   </p:clrMapOvr>
-  <p:transition xmlns:p14="http://schemas.microsoft.com/office/powerpoint/2010/main" spd="med" advClick="1"/>
+  <p:transition spd="med"/>
+  <p:timing>
+    <p:tnLst>
+      <p:par>
+        <p:cTn id="1" dur="indefinite" restart="never" nodeType="tmRoot"/>
+      </p:par>
+    </p:tnLst>
+  </p:timing>
 </p:sld>
 </file>
 
 <file path=ppt/slides/slide3.xml><?xml version="1.0" encoding="utf-8"?>
-<p:sld xmlns:a="http://schemas.openxmlformats.org/drawingml/2006/main" xmlns:r="http://schemas.openxmlformats.org/officeDocument/2006/relationships" xmlns:p="http://schemas.openxmlformats.org/presentationml/2006/main" xmlns:m="http://schemas.openxmlformats.org/officeDocument/2006/math" xmlns:a14="http://schemas.microsoft.com/office/drawing/2010/main" showMasterSp="1" showMasterPhAnim="1">
+<p:sld xmlns:a="http://schemas.openxmlformats.org/drawingml/2006/main" xmlns:r="http://schemas.openxmlformats.org/officeDocument/2006/relationships" xmlns:p="http://schemas.openxmlformats.org/presentationml/2006/main">
   <p:cSld>
     <p:spTree>
       <p:nvGrpSpPr>
@@ -4837,7 +4962,9 @@
       <p:sp>
         <p:nvSpPr>
           <p:cNvPr id="121" name="Builtin Functions"/>
-          <p:cNvSpPr txBox="1"/>
+          <p:cNvSpPr txBox="1">
+            <a:spLocks noGrp="1"/>
+          </p:cNvSpPr>
           <p:nvPr>
             <p:ph type="title"/>
           </p:nvPr>
@@ -4859,7 +4986,6 @@
             </a:lvl1pPr>
           </a:lstStyle>
           <a:p>
-            <a:pPr/>
             <a:r>
               <a:t>Builtin Functions</a:t>
             </a:r>
@@ -4869,7 +4995,9 @@
       <p:sp>
         <p:nvSpPr>
           <p:cNvPr id="122" name="len()…"/>
-          <p:cNvSpPr txBox="1"/>
+          <p:cNvSpPr txBox="1">
+            <a:spLocks noGrp="1"/>
+          </p:cNvSpPr>
           <p:nvPr>
             <p:ph type="body" idx="1"/>
           </p:nvPr>
@@ -4887,16 +5015,17 @@
           <a:bodyPr/>
           <a:lstStyle/>
           <a:p>
-            <a:pPr lvl="1" marL="621631" indent="-240631" defTabSz="731519">
+            <a:pPr marL="621631" lvl="1" indent="-240631" defTabSz="731519">
               <a:buClrTx/>
               <a:buSzPct val="100000"/>
               <a:buFontTx/>
               <a:buChar char="•"/>
               <a:defRPr sz="2600"/>
             </a:pPr>
-          </a:p>
-          <a:p>
-            <a:pPr lvl="1" marL="621631" indent="-240631" defTabSz="731519">
+            <a:endParaRPr/>
+          </a:p>
+          <a:p>
+            <a:pPr marL="621631" lvl="1" indent="-240631" defTabSz="731519">
               <a:buClrTx/>
               <a:buSzPct val="100000"/>
               <a:buFontTx/>
@@ -4908,7 +5037,7 @@
             </a:r>
           </a:p>
           <a:p>
-            <a:pPr lvl="1" marL="621631" indent="-240631" defTabSz="731519">
+            <a:pPr marL="621631" lvl="1" indent="-240631" defTabSz="731519">
               <a:buClrTx/>
               <a:buSzPct val="100000"/>
               <a:buFontTx/>
@@ -4920,7 +5049,7 @@
             </a:r>
           </a:p>
           <a:p>
-            <a:pPr lvl="1" marL="621631" indent="-240631" defTabSz="731519">
+            <a:pPr marL="621631" lvl="1" indent="-240631" defTabSz="731519">
               <a:buClrTx/>
               <a:buSzPct val="100000"/>
               <a:buFontTx/>
@@ -4938,12 +5067,19 @@
   <p:clrMapOvr>
     <a:masterClrMapping/>
   </p:clrMapOvr>
-  <p:transition xmlns:p14="http://schemas.microsoft.com/office/powerpoint/2010/main" spd="med" advClick="1"/>
+  <p:transition spd="med"/>
+  <p:timing>
+    <p:tnLst>
+      <p:par>
+        <p:cTn id="1" dur="indefinite" restart="never" nodeType="tmRoot"/>
+      </p:par>
+    </p:tnLst>
+  </p:timing>
 </p:sld>
 </file>
 
 <file path=ppt/slides/slide4.xml><?xml version="1.0" encoding="utf-8"?>
-<p:sld xmlns:a="http://schemas.openxmlformats.org/drawingml/2006/main" xmlns:r="http://schemas.openxmlformats.org/officeDocument/2006/relationships" xmlns:p="http://schemas.openxmlformats.org/presentationml/2006/main" xmlns:m="http://schemas.openxmlformats.org/officeDocument/2006/math" xmlns:a14="http://schemas.microsoft.com/office/drawing/2010/main" showMasterSp="1" showMasterPhAnim="1">
+<p:sld xmlns:a="http://schemas.openxmlformats.org/drawingml/2006/main" xmlns:r="http://schemas.openxmlformats.org/officeDocument/2006/relationships" xmlns:p="http://schemas.openxmlformats.org/presentationml/2006/main">
   <p:cSld>
     <p:spTree>
       <p:nvGrpSpPr>
@@ -4962,7 +5098,9 @@
       <p:sp>
         <p:nvSpPr>
           <p:cNvPr id="124" name="User Defined Function"/>
-          <p:cNvSpPr txBox="1"/>
+          <p:cNvSpPr txBox="1">
+            <a:spLocks noGrp="1"/>
+          </p:cNvSpPr>
           <p:nvPr>
             <p:ph type="title"/>
           </p:nvPr>
@@ -4984,7 +5122,6 @@
             </a:lvl1pPr>
           </a:lstStyle>
           <a:p>
-            <a:pPr/>
             <a:r>
               <a:t>User Defined Function</a:t>
             </a:r>
@@ -4994,7 +5131,9 @@
       <p:sp>
         <p:nvSpPr>
           <p:cNvPr id="125" name="We can define our own functions that can perform a task"/>
-          <p:cNvSpPr txBox="1"/>
+          <p:cNvSpPr txBox="1">
+            <a:spLocks noGrp="1"/>
+          </p:cNvSpPr>
           <p:nvPr>
             <p:ph type="body" sz="half" idx="1"/>
           </p:nvPr>
@@ -5012,7 +5151,7 @@
           <a:bodyPr/>
           <a:lstStyle/>
           <a:p>
-            <a:pPr lvl="1" marL="621631" indent="-240631" defTabSz="731519">
+            <a:pPr marL="621631" lvl="1" indent="-240631" defTabSz="731519">
               <a:buClrTx/>
               <a:buSzPct val="100000"/>
               <a:buFontTx/>
@@ -5034,7 +5173,7 @@
         <p:spPr>
           <a:xfrm>
             <a:off x="341648" y="2336871"/>
-            <a:ext cx="8460704" cy="1662037"/>
+            <a:ext cx="8460704" cy="1877953"/>
           </a:xfrm>
           <a:prstGeom prst="rect">
             <a:avLst/>
@@ -5047,13 +5186,13 @@
           </a:ln>
           <a:extLst>
             <a:ext uri="{C572A759-6A51-4108-AA02-DFA0A04FC94B}">
-              <ma14:wrappingTextBoxFlag xmlns:ma14="http://schemas.microsoft.com/office/mac/drawingml/2011/main" val="1"/>
+              <ma14:wrappingTextBoxFlag xmlns:ma14="http://schemas.microsoft.com/office/mac/drawingml/2011/main" xmlns:a14="http://schemas.microsoft.com/office/drawing/2010/main" xmlns:m="http://schemas.openxmlformats.org/officeDocument/2006/math" xmlns="" val="1"/>
             </a:ext>
           </a:extLst>
         </p:spPr>
         <p:txBody>
           <a:bodyPr lIns="91423" tIns="91423" rIns="91423" bIns="91423">
-            <a:normAutofit fontScale="100000" lnSpcReduction="0"/>
+            <a:noAutofit/>
           </a:bodyPr>
           <a:lstStyle/>
           <a:p>
@@ -5072,7 +5211,7 @@
               </a:defRPr>
             </a:pPr>
             <a:r>
-              <a:rPr>
+              <a:rPr sz="2000">
                 <a:solidFill>
                   <a:srgbClr val="569CD6"/>
                 </a:solidFill>
@@ -5080,7 +5219,7 @@
               <a:t>def</a:t>
             </a:r>
             <a:r>
-              <a:rPr>
+              <a:rPr sz="2000">
                 <a:solidFill>
                   <a:srgbClr val="D4D4D4"/>
                 </a:solidFill>
@@ -5088,7 +5227,7 @@
               <a:t> </a:t>
             </a:r>
             <a:r>
-              <a:rPr>
+              <a:rPr sz="2000">
                 <a:solidFill>
                   <a:srgbClr val="DCDCAA"/>
                 </a:solidFill>
@@ -5096,7 +5235,7 @@
               <a:t>name_of_function</a:t>
             </a:r>
             <a:r>
-              <a:rPr>
+              <a:rPr sz="2000">
                 <a:solidFill>
                   <a:srgbClr val="D4D4D4"/>
                 </a:solidFill>
@@ -5104,21 +5243,17 @@
               <a:t>(</a:t>
             </a:r>
             <a:r>
+              <a:rPr sz="2000"/>
               <a:t>list_of_arguments</a:t>
             </a:r>
             <a:r>
-              <a:rPr>
+              <a:rPr sz="2000">
                 <a:solidFill>
                   <a:srgbClr val="D4D4D4"/>
                 </a:solidFill>
               </a:rPr>
               <a:t>):</a:t>
             </a:r>
-            <a:endParaRPr>
-              <a:solidFill>
-                <a:srgbClr val="D4D4D4"/>
-              </a:solidFill>
-            </a:endParaRPr>
           </a:p>
           <a:p>
             <a:pPr lvl="2" indent="333756" defTabSz="333756">
@@ -5136,6 +5271,7 @@
               </a:defRPr>
             </a:pPr>
             <a:r>
+              <a:rPr sz="2000"/>
               <a:t>“ option docstring that describes about function”</a:t>
             </a:r>
           </a:p>
@@ -5155,6 +5291,7 @@
               </a:defRPr>
             </a:pPr>
             <a:r>
+              <a:rPr sz="2000"/>
               <a:t>function_suite</a:t>
             </a:r>
           </a:p>
@@ -5174,10 +5311,11 @@
               </a:defRPr>
             </a:pPr>
             <a:r>
+              <a:rPr sz="2000"/>
               <a:t>   </a:t>
             </a:r>
             <a:r>
-              <a:rPr>
+              <a:rPr sz="2000">
                 <a:solidFill>
                   <a:srgbClr val="C586C0"/>
                 </a:solidFill>
@@ -5185,6 +5323,7 @@
               <a:t>return</a:t>
             </a:r>
             <a:r>
+              <a:rPr sz="2000"/>
               <a:t> &lt;value&gt; </a:t>
             </a:r>
           </a:p>
@@ -5209,13 +5348,13 @@
           </a:ln>
           <a:extLst>
             <a:ext uri="{C572A759-6A51-4108-AA02-DFA0A04FC94B}">
-              <ma14:wrappingTextBoxFlag xmlns:ma14="http://schemas.microsoft.com/office/mac/drawingml/2011/main" val="1"/>
+              <ma14:wrappingTextBoxFlag xmlns:ma14="http://schemas.microsoft.com/office/mac/drawingml/2011/main" xmlns:a14="http://schemas.microsoft.com/office/drawing/2010/main" xmlns:m="http://schemas.openxmlformats.org/officeDocument/2006/math" xmlns="" val="1"/>
             </a:ext>
           </a:extLst>
         </p:spPr>
         <p:txBody>
           <a:bodyPr lIns="91423" tIns="91423" rIns="91423" bIns="91423">
-            <a:normAutofit fontScale="100000" lnSpcReduction="0"/>
+            <a:normAutofit/>
           </a:bodyPr>
           <a:lstStyle/>
           <a:p>
@@ -5244,12 +5383,19 @@
   <p:clrMapOvr>
     <a:masterClrMapping/>
   </p:clrMapOvr>
-  <p:transition xmlns:p14="http://schemas.microsoft.com/office/powerpoint/2010/main" spd="med" advClick="1"/>
+  <p:transition spd="med"/>
+  <p:timing>
+    <p:tnLst>
+      <p:par>
+        <p:cTn id="1" dur="indefinite" restart="never" nodeType="tmRoot"/>
+      </p:par>
+    </p:tnLst>
+  </p:timing>
 </p:sld>
 </file>
 
 <file path=ppt/slides/slide5.xml><?xml version="1.0" encoding="utf-8"?>
-<p:sld xmlns:a="http://schemas.openxmlformats.org/drawingml/2006/main" xmlns:r="http://schemas.openxmlformats.org/officeDocument/2006/relationships" xmlns:p="http://schemas.openxmlformats.org/presentationml/2006/main" xmlns:m="http://schemas.openxmlformats.org/officeDocument/2006/math" xmlns:a14="http://schemas.microsoft.com/office/drawing/2010/main" showMasterSp="1" showMasterPhAnim="1">
+<p:sld xmlns:a="http://schemas.openxmlformats.org/drawingml/2006/main" xmlns:r="http://schemas.openxmlformats.org/officeDocument/2006/relationships" xmlns:p="http://schemas.openxmlformats.org/presentationml/2006/main">
   <p:cSld>
     <p:spTree>
       <p:nvGrpSpPr>
@@ -5268,7 +5414,9 @@
       <p:sp>
         <p:nvSpPr>
           <p:cNvPr id="129" name="Example Function"/>
-          <p:cNvSpPr txBox="1"/>
+          <p:cNvSpPr txBox="1">
+            <a:spLocks noGrp="1"/>
+          </p:cNvSpPr>
           <p:nvPr>
             <p:ph type="title"/>
           </p:nvPr>
@@ -5290,7 +5438,6 @@
             </a:lvl1pPr>
           </a:lstStyle>
           <a:p>
-            <a:pPr/>
             <a:r>
               <a:t>Example Function</a:t>
             </a:r>
@@ -5306,7 +5453,7 @@
         <p:spPr>
           <a:xfrm>
             <a:off x="341648" y="1360360"/>
-            <a:ext cx="8460704" cy="2181560"/>
+            <a:ext cx="8460704" cy="2282960"/>
           </a:xfrm>
           <a:prstGeom prst="rect">
             <a:avLst/>
@@ -5319,13 +5466,13 @@
           </a:ln>
           <a:extLst>
             <a:ext uri="{C572A759-6A51-4108-AA02-DFA0A04FC94B}">
-              <ma14:wrappingTextBoxFlag xmlns:ma14="http://schemas.microsoft.com/office/mac/drawingml/2011/main" val="1"/>
+              <ma14:wrappingTextBoxFlag xmlns:ma14="http://schemas.microsoft.com/office/mac/drawingml/2011/main" xmlns:a14="http://schemas.microsoft.com/office/drawing/2010/main" xmlns:m="http://schemas.openxmlformats.org/officeDocument/2006/math" xmlns="" val="1"/>
             </a:ext>
           </a:extLst>
         </p:spPr>
         <p:txBody>
           <a:bodyPr lIns="91423" tIns="91423" rIns="91423" bIns="91423">
-            <a:normAutofit fontScale="100000" lnSpcReduction="0"/>
+            <a:noAutofit/>
           </a:bodyPr>
           <a:lstStyle/>
           <a:p>
@@ -5344,7 +5491,7 @@
               </a:defRPr>
             </a:pPr>
             <a:r>
-              <a:rPr>
+              <a:rPr sz="2400">
                 <a:solidFill>
                   <a:srgbClr val="569CD6"/>
                 </a:solidFill>
@@ -5352,7 +5499,7 @@
               <a:t>def</a:t>
             </a:r>
             <a:r>
-              <a:rPr>
+              <a:rPr sz="2400">
                 <a:solidFill>
                   <a:srgbClr val="D4D4D4"/>
                 </a:solidFill>
@@ -5360,10 +5507,11 @@
               <a:t> </a:t>
             </a:r>
             <a:r>
+              <a:rPr sz="2400"/>
               <a:t>printmessage</a:t>
             </a:r>
             <a:r>
-              <a:rPr>
+              <a:rPr sz="2400">
                 <a:solidFill>
                   <a:srgbClr val="D4D4D4"/>
                 </a:solidFill>
@@ -5371,7 +5519,7 @@
               <a:t>(</a:t>
             </a:r>
             <a:r>
-              <a:rPr>
+              <a:rPr sz="2400">
                 <a:solidFill>
                   <a:srgbClr val="9CDCFE"/>
                 </a:solidFill>
@@ -5379,18 +5527,13 @@
               <a:t>message</a:t>
             </a:r>
             <a:r>
-              <a:rPr>
+              <a:rPr sz="2400">
                 <a:solidFill>
                   <a:srgbClr val="D4D4D4"/>
                 </a:solidFill>
               </a:rPr>
               <a:t>):</a:t>
             </a:r>
-            <a:endParaRPr>
-              <a:solidFill>
-                <a:srgbClr val="D4D4D4"/>
-              </a:solidFill>
-            </a:endParaRPr>
           </a:p>
           <a:p>
             <a:pPr defTabSz="457200">
@@ -5408,7 +5551,7 @@
               </a:defRPr>
             </a:pPr>
             <a:r>
-              <a:rPr>
+              <a:rPr sz="2400">
                 <a:solidFill>
                   <a:srgbClr val="D4D4D4"/>
                 </a:solidFill>
@@ -5416,9 +5559,10 @@
               <a:t>    </a:t>
             </a:r>
             <a:r>
+              <a:rPr sz="2400"/>
               <a:t>'This function prints a message passed'</a:t>
             </a:r>
-            <a:endParaRPr>
+            <a:endParaRPr sz="2400">
               <a:solidFill>
                 <a:srgbClr val="D4D4D4"/>
               </a:solidFill>
@@ -5440,7 +5584,7 @@
               </a:defRPr>
             </a:pPr>
             <a:r>
-              <a:rPr>
+              <a:rPr sz="2400">
                 <a:solidFill>
                   <a:srgbClr val="D4D4D4"/>
                 </a:solidFill>
@@ -5448,7 +5592,7 @@
               <a:t>    </a:t>
             </a:r>
             <a:r>
-              <a:rPr>
+              <a:rPr sz="2400">
                 <a:solidFill>
                   <a:srgbClr val="DCDCAA"/>
                 </a:solidFill>
@@ -5456,7 +5600,7 @@
               <a:t>print</a:t>
             </a:r>
             <a:r>
-              <a:rPr>
+              <a:rPr sz="2400">
                 <a:solidFill>
                   <a:srgbClr val="D4D4D4"/>
                 </a:solidFill>
@@ -5464,9 +5608,10 @@
               <a:t>(</a:t>
             </a:r>
             <a:r>
+              <a:rPr sz="2400"/>
               <a:t>" Message:”,message)</a:t>
             </a:r>
-            <a:endParaRPr>
+            <a:endParaRPr sz="2400">
               <a:solidFill>
                 <a:srgbClr val="D4D4D4"/>
               </a:solidFill>
@@ -5488,7 +5633,7 @@
               </a:defRPr>
             </a:pPr>
             <a:r>
-              <a:rPr>
+              <a:rPr sz="2400">
                 <a:solidFill>
                   <a:srgbClr val="D4D4D4"/>
                 </a:solidFill>
@@ -5496,9 +5641,10 @@
               <a:t>    </a:t>
             </a:r>
             <a:r>
+              <a:rPr sz="2400"/>
               <a:t>return</a:t>
             </a:r>
-            <a:endParaRPr>
+            <a:endParaRPr sz="2400">
               <a:solidFill>
                 <a:srgbClr val="D4D4D4"/>
               </a:solidFill>
@@ -5520,6 +5666,7 @@
               </a:defRPr>
             </a:pPr>
             <a:r>
+              <a:rPr sz="2400"/>
               <a:t>printmessage(“Good Morning”)</a:t>
             </a:r>
           </a:p>
@@ -5547,13 +5694,13 @@
           </a:ln>
           <a:extLst>
             <a:ext uri="{C572A759-6A51-4108-AA02-DFA0A04FC94B}">
-              <ma14:wrappingTextBoxFlag xmlns:ma14="http://schemas.microsoft.com/office/mac/drawingml/2011/main" val="1"/>
+              <ma14:wrappingTextBoxFlag xmlns:ma14="http://schemas.microsoft.com/office/mac/drawingml/2011/main" xmlns:a14="http://schemas.microsoft.com/office/drawing/2010/main" xmlns:m="http://schemas.openxmlformats.org/officeDocument/2006/math" xmlns="" val="1"/>
             </a:ext>
           </a:extLst>
         </p:spPr>
         <p:txBody>
           <a:bodyPr lIns="91423" tIns="91423" rIns="91423" bIns="91423">
-            <a:normAutofit fontScale="100000" lnSpcReduction="0"/>
+            <a:normAutofit/>
           </a:bodyPr>
           <a:lstStyle/>
           <a:p>
@@ -5611,7 +5758,7 @@
             <a:miter lim="400000"/>
           </a:ln>
           <a:effectLst>
-            <a:outerShdw sx="100000" sy="100000" kx="0" ky="0" algn="b" rotWithShape="0" blurRad="38100" dist="23000" dir="5400000">
+            <a:outerShdw blurRad="38100" dist="23000" dir="5400000" rotWithShape="0">
               <a:srgbClr val="000000">
                 <a:alpha val="35000"/>
               </a:srgbClr>
@@ -5619,13 +5766,13 @@
           </a:effectLst>
           <a:extLst>
             <a:ext uri="{C572A759-6A51-4108-AA02-DFA0A04FC94B}">
-              <ma14:wrappingTextBoxFlag xmlns:ma14="http://schemas.microsoft.com/office/mac/drawingml/2011/main" val="1"/>
+              <ma14:wrappingTextBoxFlag xmlns:ma14="http://schemas.microsoft.com/office/mac/drawingml/2011/main" xmlns:a14="http://schemas.microsoft.com/office/drawing/2010/main" xmlns:m="http://schemas.openxmlformats.org/officeDocument/2006/math" xmlns="" val="1"/>
             </a:ext>
           </a:extLst>
         </p:spPr>
         <p:txBody>
           <a:bodyPr lIns="91423" tIns="91423" rIns="91423" bIns="91423">
-            <a:normAutofit fontScale="100000" lnSpcReduction="0"/>
+            <a:normAutofit lnSpcReduction="10000"/>
           </a:bodyPr>
           <a:lstStyle/>
           <a:p>
@@ -5649,12 +5796,19 @@
   <p:clrMapOvr>
     <a:masterClrMapping/>
   </p:clrMapOvr>
-  <p:transition xmlns:p14="http://schemas.microsoft.com/office/powerpoint/2010/main" spd="med" advClick="1"/>
+  <p:transition spd="med"/>
+  <p:timing>
+    <p:tnLst>
+      <p:par>
+        <p:cTn id="1" dur="indefinite" restart="never" nodeType="tmRoot"/>
+      </p:par>
+    </p:tnLst>
+  </p:timing>
 </p:sld>
 </file>
 
 <file path=ppt/slides/slide6.xml><?xml version="1.0" encoding="utf-8"?>
-<p:sld xmlns:a="http://schemas.openxmlformats.org/drawingml/2006/main" xmlns:r="http://schemas.openxmlformats.org/officeDocument/2006/relationships" xmlns:p="http://schemas.openxmlformats.org/presentationml/2006/main" xmlns:m="http://schemas.openxmlformats.org/officeDocument/2006/math" xmlns:a14="http://schemas.microsoft.com/office/drawing/2010/main" showMasterSp="1" showMasterPhAnim="1">
+<p:sld xmlns:a="http://schemas.openxmlformats.org/drawingml/2006/main" xmlns:r="http://schemas.openxmlformats.org/officeDocument/2006/relationships" xmlns:p="http://schemas.openxmlformats.org/presentationml/2006/main">
   <p:cSld>
     <p:spTree>
       <p:nvGrpSpPr>
@@ -5673,7 +5827,9 @@
       <p:sp>
         <p:nvSpPr>
           <p:cNvPr id="134" name="Defining a function"/>
-          <p:cNvSpPr txBox="1"/>
+          <p:cNvSpPr txBox="1">
+            <a:spLocks noGrp="1"/>
+          </p:cNvSpPr>
           <p:nvPr>
             <p:ph type="title"/>
           </p:nvPr>
@@ -5695,7 +5851,6 @@
             </a:lvl1pPr>
           </a:lstStyle>
           <a:p>
-            <a:pPr/>
             <a:r>
               <a:t>Defining a function</a:t>
             </a:r>
@@ -5705,7 +5860,9 @@
       <p:sp>
         <p:nvSpPr>
           <p:cNvPr id="135" name="A function may need some values to do the task .…"/>
-          <p:cNvSpPr txBox="1"/>
+          <p:cNvSpPr txBox="1">
+            <a:spLocks noGrp="1"/>
+          </p:cNvSpPr>
           <p:nvPr>
             <p:ph type="body" idx="1"/>
           </p:nvPr>
@@ -5723,7 +5880,7 @@
           <a:bodyPr/>
           <a:lstStyle/>
           <a:p>
-            <a:pPr lvl="1" marL="0" indent="228600">
+            <a:pPr marL="0" lvl="1" indent="228600">
               <a:lnSpc>
                 <a:spcPct val="100000"/>
               </a:lnSpc>
@@ -5738,7 +5895,7 @@
             </a:r>
           </a:p>
           <a:p>
-            <a:pPr lvl="2" marL="0" indent="457200">
+            <a:pPr marL="0" lvl="2" indent="457200">
               <a:lnSpc>
                 <a:spcPct val="100000"/>
               </a:lnSpc>
@@ -5757,7 +5914,7 @@
             </a:r>
           </a:p>
           <a:p>
-            <a:pPr lvl="1" marL="0" indent="228600">
+            <a:pPr marL="0" lvl="1" indent="228600">
               <a:lnSpc>
                 <a:spcPct val="100000"/>
               </a:lnSpc>
@@ -5772,7 +5929,7 @@
             </a:r>
           </a:p>
           <a:p>
-            <a:pPr lvl="2" marL="0" indent="457200">
+            <a:pPr marL="0" lvl="2" indent="457200">
               <a:lnSpc>
                 <a:spcPct val="100000"/>
               </a:lnSpc>
@@ -5789,10 +5946,9 @@
               <a:rPr b="1"/>
               <a:t>return value</a:t>
             </a:r>
-            <a:endParaRPr b="1"/>
-          </a:p>
-          <a:p>
-            <a:pPr lvl="2" marL="0" indent="457200">
+          </a:p>
+          <a:p>
+            <a:pPr marL="0" lvl="2" indent="457200">
               <a:lnSpc>
                 <a:spcPct val="100000"/>
               </a:lnSpc>
@@ -5805,7 +5961,7 @@
             <a:endParaRPr b="1"/>
           </a:p>
           <a:p>
-            <a:pPr lvl="2" marL="0" indent="457200">
+            <a:pPr marL="0" lvl="2" indent="457200">
               <a:lnSpc>
                 <a:spcPct val="100000"/>
               </a:lnSpc>
@@ -5813,7 +5969,7 @@
               <a:buSzTx/>
               <a:buFontTx/>
               <a:buNone/>
-              <a:defRPr b="1" i="1" sz="2300"/>
+              <a:defRPr sz="2300" b="1" i="1"/>
             </a:pPr>
             <a:r>
               <a:t>Arguments and return types are optional</a:t>
@@ -5826,12 +5982,19 @@
   <p:clrMapOvr>
     <a:masterClrMapping/>
   </p:clrMapOvr>
-  <p:transition xmlns:p14="http://schemas.microsoft.com/office/powerpoint/2010/main" spd="med" advClick="1"/>
+  <p:transition spd="med"/>
+  <p:timing>
+    <p:tnLst>
+      <p:par>
+        <p:cTn id="1" dur="indefinite" restart="never" nodeType="tmRoot"/>
+      </p:par>
+    </p:tnLst>
+  </p:timing>
 </p:sld>
 </file>
 
 <file path=ppt/slides/slide7.xml><?xml version="1.0" encoding="utf-8"?>
-<p:sld xmlns:a="http://schemas.openxmlformats.org/drawingml/2006/main" xmlns:r="http://schemas.openxmlformats.org/officeDocument/2006/relationships" xmlns:p="http://schemas.openxmlformats.org/presentationml/2006/main" xmlns:m="http://schemas.openxmlformats.org/officeDocument/2006/math" xmlns:a14="http://schemas.microsoft.com/office/drawing/2010/main" showMasterSp="1" showMasterPhAnim="1">
+<p:sld xmlns:a="http://schemas.openxmlformats.org/drawingml/2006/main" xmlns:r="http://schemas.openxmlformats.org/officeDocument/2006/relationships" xmlns:p="http://schemas.openxmlformats.org/presentationml/2006/main">
   <p:cSld>
     <p:spTree>
       <p:nvGrpSpPr>
@@ -5850,7 +6013,9 @@
       <p:sp>
         <p:nvSpPr>
           <p:cNvPr id="137" name="Function Classification"/>
-          <p:cNvSpPr txBox="1"/>
+          <p:cNvSpPr txBox="1">
+            <a:spLocks noGrp="1"/>
+          </p:cNvSpPr>
           <p:nvPr>
             <p:ph type="title"/>
           </p:nvPr>
@@ -5872,7 +6037,6 @@
             </a:lvl1pPr>
           </a:lstStyle>
           <a:p>
-            <a:pPr/>
             <a:r>
               <a:t>Function Classification</a:t>
             </a:r>
@@ -5882,7 +6046,9 @@
       <p:sp>
         <p:nvSpPr>
           <p:cNvPr id="138" name="Function that take arguments and return a value…"/>
-          <p:cNvSpPr txBox="1"/>
+          <p:cNvSpPr txBox="1">
+            <a:spLocks noGrp="1"/>
+          </p:cNvSpPr>
           <p:nvPr>
             <p:ph type="body" idx="1"/>
           </p:nvPr>
@@ -5900,14 +6066,14 @@
           <a:bodyPr/>
           <a:lstStyle/>
           <a:p>
-            <a:pPr lvl="1" marL="847023" indent="-344103" defTabSz="905255">
+            <a:pPr marL="847023" lvl="1" indent="-344103" defTabSz="905255">
               <a:lnSpc>
                 <a:spcPct val="100000"/>
               </a:lnSpc>
               <a:buClrTx/>
               <a:buSzPct val="100000"/>
               <a:buFontTx/>
-              <a:buAutoNum type="arabicPeriod" startAt="1"/>
+              <a:buAutoNum type="arabicPeriod"/>
               <a:defRPr sz="2574">
                 <a:solidFill>
                   <a:srgbClr val="000000"/>
@@ -5919,14 +6085,14 @@
             </a:r>
           </a:p>
           <a:p>
-            <a:pPr lvl="1" marL="847023" indent="-344103" defTabSz="905255">
+            <a:pPr marL="847023" lvl="1" indent="-344103" defTabSz="905255">
               <a:lnSpc>
                 <a:spcPct val="100000"/>
               </a:lnSpc>
               <a:buClrTx/>
               <a:buSzPct val="100000"/>
               <a:buFontTx/>
-              <a:buAutoNum type="arabicPeriod" startAt="1"/>
+              <a:buAutoNum type="arabicPeriod"/>
               <a:defRPr sz="2574">
                 <a:solidFill>
                   <a:srgbClr val="000000"/>
@@ -5938,14 +6104,14 @@
             </a:r>
           </a:p>
           <a:p>
-            <a:pPr lvl="1" marL="847023" indent="-344103" defTabSz="905255">
+            <a:pPr marL="847023" lvl="1" indent="-344103" defTabSz="905255">
               <a:lnSpc>
                 <a:spcPct val="100000"/>
               </a:lnSpc>
               <a:buClrTx/>
               <a:buSzPct val="100000"/>
               <a:buFontTx/>
-              <a:buAutoNum type="arabicPeriod" startAt="1"/>
+              <a:buAutoNum type="arabicPeriod"/>
               <a:defRPr sz="2574">
                 <a:solidFill>
                   <a:srgbClr val="000000"/>
@@ -5957,14 +6123,14 @@
             </a:r>
           </a:p>
           <a:p>
-            <a:pPr lvl="1" marL="847023" indent="-344103" defTabSz="905255">
+            <a:pPr marL="847023" lvl="1" indent="-344103" defTabSz="905255">
               <a:lnSpc>
                 <a:spcPct val="100000"/>
               </a:lnSpc>
               <a:buClrTx/>
               <a:buSzPct val="100000"/>
               <a:buFontTx/>
-              <a:buAutoNum type="arabicPeriod" startAt="1"/>
+              <a:buAutoNum type="arabicPeriod"/>
               <a:defRPr sz="2574">
                 <a:solidFill>
                   <a:srgbClr val="000000"/>
@@ -5972,8 +6138,26 @@
               </a:defRPr>
             </a:pPr>
             <a:r>
-              <a:t>Functions that don’t take any arguments but return value</a:t>
-            </a:r>
+              <a:rPr/>
+              <a:t>Functions </a:t>
+            </a:r>
+            <a:r>
+              <a:rPr smtClean="0"/>
+              <a:t>that</a:t>
+            </a:r>
+            <a:r>
+              <a:rPr lang="en-IN" dirty="0" smtClean="0"/>
+              <a:t> takes </a:t>
+            </a:r>
+            <a:r>
+              <a:rPr lang="en-IN" dirty="0" err="1" smtClean="0"/>
+              <a:t>arguement</a:t>
+            </a:r>
+            <a:r>
+              <a:rPr lang="en-IN" dirty="0" smtClean="0"/>
+              <a:t> but does not return a value</a:t>
+            </a:r>
+            <a:endParaRPr/>
           </a:p>
         </p:txBody>
       </p:sp>
@@ -5982,12 +6166,19 @@
   <p:clrMapOvr>
     <a:masterClrMapping/>
   </p:clrMapOvr>
-  <p:transition xmlns:p14="http://schemas.microsoft.com/office/powerpoint/2010/main" spd="med" advClick="1"/>
+  <p:transition spd="med"/>
+  <p:timing>
+    <p:tnLst>
+      <p:par>
+        <p:cTn id="1" dur="indefinite" restart="never" nodeType="tmRoot"/>
+      </p:par>
+    </p:tnLst>
+  </p:timing>
 </p:sld>
 </file>
 
 <file path=ppt/slides/slide8.xml><?xml version="1.0" encoding="utf-8"?>
-<p:sld xmlns:a="http://schemas.openxmlformats.org/drawingml/2006/main" xmlns:r="http://schemas.openxmlformats.org/officeDocument/2006/relationships" xmlns:p="http://schemas.openxmlformats.org/presentationml/2006/main" xmlns:m="http://schemas.openxmlformats.org/officeDocument/2006/math" xmlns:a14="http://schemas.microsoft.com/office/drawing/2010/main" showMasterSp="1" showMasterPhAnim="1">
+<p:sld xmlns:a="http://schemas.openxmlformats.org/drawingml/2006/main" xmlns:r="http://schemas.openxmlformats.org/officeDocument/2006/relationships" xmlns:p="http://schemas.openxmlformats.org/presentationml/2006/main">
   <p:cSld>
     <p:spTree>
       <p:nvGrpSpPr>
@@ -6006,7 +6197,9 @@
       <p:sp>
         <p:nvSpPr>
           <p:cNvPr id="140" name="Functions that take arguments and return a value"/>
-          <p:cNvSpPr txBox="1"/>
+          <p:cNvSpPr txBox="1">
+            <a:spLocks noGrp="1"/>
+          </p:cNvSpPr>
           <p:nvPr>
             <p:ph type="title"/>
           </p:nvPr>
@@ -6025,7 +6218,7 @@
           <a:lstStyle/>
           <a:p>
             <a:pPr lvl="1" indent="192023" defTabSz="768095">
-              <a:defRPr b="0" sz="2604">
+              <a:defRPr sz="2604" b="0">
                 <a:solidFill>
                   <a:srgbClr val="000000"/>
                 </a:solidFill>
@@ -6044,7 +6237,9 @@
       <p:sp>
         <p:nvSpPr>
           <p:cNvPr id="141" name="rv = math.sqrt(2)…"/>
-          <p:cNvSpPr txBox="1"/>
+          <p:cNvSpPr txBox="1">
+            <a:spLocks noGrp="1"/>
+          </p:cNvSpPr>
           <p:nvPr>
             <p:ph type="body" idx="1"/>
           </p:nvPr>
@@ -6087,6 +6282,7 @@
               <a:buNone/>
               <a:defRPr sz="2820"/>
             </a:pPr>
+            <a:endParaRPr/>
           </a:p>
           <a:p>
             <a:pPr marL="155194" indent="-155194" defTabSz="859536">
@@ -6114,6 +6310,7 @@
               <a:buNone/>
               <a:defRPr sz="2820"/>
             </a:pPr>
+            <a:endParaRPr/>
           </a:p>
           <a:p>
             <a:pPr marL="155194" indent="-155194" defTabSz="859536">
@@ -6137,12 +6334,19 @@
   <p:clrMapOvr>
     <a:masterClrMapping/>
   </p:clrMapOvr>
-  <p:transition xmlns:p14="http://schemas.microsoft.com/office/powerpoint/2010/main" spd="med" advClick="1"/>
+  <p:transition spd="med"/>
+  <p:timing>
+    <p:tnLst>
+      <p:par>
+        <p:cTn id="1" dur="indefinite" restart="never" nodeType="tmRoot"/>
+      </p:par>
+    </p:tnLst>
+  </p:timing>
 </p:sld>
 </file>
 
 <file path=ppt/slides/slide9.xml><?xml version="1.0" encoding="utf-8"?>
-<p:sld xmlns:a="http://schemas.openxmlformats.org/drawingml/2006/main" xmlns:r="http://schemas.openxmlformats.org/officeDocument/2006/relationships" xmlns:p="http://schemas.openxmlformats.org/presentationml/2006/main" xmlns:m="http://schemas.openxmlformats.org/officeDocument/2006/math" xmlns:a14="http://schemas.microsoft.com/office/drawing/2010/main" showMasterSp="1" showMasterPhAnim="1">
+<p:sld xmlns:a="http://schemas.openxmlformats.org/drawingml/2006/main" xmlns:r="http://schemas.openxmlformats.org/officeDocument/2006/relationships" xmlns:p="http://schemas.openxmlformats.org/presentationml/2006/main">
   <p:cSld>
     <p:spTree>
       <p:nvGrpSpPr>
@@ -6161,7 +6365,9 @@
       <p:sp>
         <p:nvSpPr>
           <p:cNvPr id="143" name="Functions with Arguments &amp; without return value"/>
-          <p:cNvSpPr txBox="1"/>
+          <p:cNvSpPr txBox="1">
+            <a:spLocks noGrp="1"/>
+          </p:cNvSpPr>
           <p:nvPr>
             <p:ph type="title"/>
           </p:nvPr>
@@ -6183,7 +6389,6 @@
             </a:lvl1pPr>
           </a:lstStyle>
           <a:p>
-            <a:pPr/>
             <a:r>
               <a:t>Functions with Arguments &amp; without return value</a:t>
             </a:r>
@@ -6212,13 +6417,13 @@
           </a:ln>
           <a:extLst>
             <a:ext uri="{C572A759-6A51-4108-AA02-DFA0A04FC94B}">
-              <ma14:wrappingTextBoxFlag xmlns:ma14="http://schemas.microsoft.com/office/mac/drawingml/2011/main" val="1"/>
+              <ma14:wrappingTextBoxFlag xmlns:ma14="http://schemas.microsoft.com/office/mac/drawingml/2011/main" xmlns:a14="http://schemas.microsoft.com/office/drawing/2010/main" xmlns:m="http://schemas.openxmlformats.org/officeDocument/2006/math" xmlns="" val="1"/>
             </a:ext>
           </a:extLst>
         </p:spPr>
         <p:txBody>
           <a:bodyPr lIns="91423" tIns="91423" rIns="91423" bIns="91423">
-            <a:normAutofit fontScale="100000" lnSpcReduction="0"/>
+            <a:noAutofit/>
           </a:bodyPr>
           <a:lstStyle/>
           <a:p>
@@ -6237,7 +6442,7 @@
               </a:defRPr>
             </a:pPr>
             <a:r>
-              <a:rPr>
+              <a:rPr sz="3200">
                 <a:solidFill>
                   <a:srgbClr val="569CD6"/>
                 </a:solidFill>
@@ -6245,7 +6450,7 @@
               <a:t>def</a:t>
             </a:r>
             <a:r>
-              <a:rPr>
+              <a:rPr sz="3200">
                 <a:solidFill>
                   <a:srgbClr val="D4D4D4"/>
                 </a:solidFill>
@@ -6253,10 +6458,11 @@
               <a:t> </a:t>
             </a:r>
             <a:r>
+              <a:rPr sz="3200"/>
               <a:t>printmessage</a:t>
             </a:r>
             <a:r>
-              <a:rPr>
+              <a:rPr sz="3200">
                 <a:solidFill>
                   <a:srgbClr val="D4D4D4"/>
                 </a:solidFill>
@@ -6264,7 +6470,7 @@
               <a:t>(</a:t>
             </a:r>
             <a:r>
-              <a:rPr>
+              <a:rPr sz="3200">
                 <a:solidFill>
                   <a:srgbClr val="9CDCFE"/>
                 </a:solidFill>
@@ -6272,18 +6478,13 @@
               <a:t>message</a:t>
             </a:r>
             <a:r>
-              <a:rPr>
+              <a:rPr sz="3200">
                 <a:solidFill>
                   <a:srgbClr val="D4D4D4"/>
                 </a:solidFill>
               </a:rPr>
               <a:t>):</a:t>
             </a:r>
-            <a:endParaRPr>
-              <a:solidFill>
-                <a:srgbClr val="D4D4D4"/>
-              </a:solidFill>
-            </a:endParaRPr>
           </a:p>
           <a:p>
             <a:pPr defTabSz="388620">
@@ -6301,10 +6502,11 @@
               </a:defRPr>
             </a:pPr>
             <a:r>
+              <a:rPr sz="3200"/>
               <a:t>      </a:t>
             </a:r>
             <a:r>
-              <a:rPr>
+              <a:rPr sz="3200">
                 <a:solidFill>
                   <a:srgbClr val="FF2835"/>
                 </a:solidFill>
@@ -6328,7 +6530,7 @@
               </a:defRPr>
             </a:pPr>
             <a:r>
-              <a:rPr>
+              <a:rPr sz="3200">
                 <a:solidFill>
                   <a:srgbClr val="D4D4D4"/>
                 </a:solidFill>
@@ -6336,7 +6538,7 @@
               <a:t>      </a:t>
             </a:r>
             <a:r>
-              <a:rPr>
+              <a:rPr sz="3200">
                 <a:solidFill>
                   <a:srgbClr val="DCDCAA"/>
                 </a:solidFill>
@@ -6344,7 +6546,7 @@
               <a:t>print</a:t>
             </a:r>
             <a:r>
-              <a:rPr>
+              <a:rPr sz="3200">
                 <a:solidFill>
                   <a:srgbClr val="D4D4D4"/>
                 </a:solidFill>
@@ -6352,9 +6554,10 @@
               <a:t>(</a:t>
             </a:r>
             <a:r>
+              <a:rPr sz="3200"/>
               <a:t>" Message:”,message)</a:t>
             </a:r>
-            <a:endParaRPr>
+            <a:endParaRPr sz="3200">
               <a:solidFill>
                 <a:srgbClr val="D4D4D4"/>
               </a:solidFill>
@@ -6376,10 +6579,11 @@
               </a:defRPr>
             </a:pPr>
             <a:r>
+              <a:rPr sz="3200"/>
               <a:t>      </a:t>
             </a:r>
             <a:r>
-              <a:rPr>
+              <a:rPr sz="3200">
                 <a:solidFill>
                   <a:srgbClr val="C586C0"/>
                 </a:solidFill>
@@ -6403,6 +6607,7 @@
               </a:defRPr>
             </a:pPr>
             <a:r>
+              <a:rPr sz="3200"/>
               <a:t>printmessage(“Good Morning”);</a:t>
             </a:r>
           </a:p>
@@ -6413,12 +6618,19 @@
   <p:clrMapOvr>
     <a:masterClrMapping/>
   </p:clrMapOvr>
-  <p:transition xmlns:p14="http://schemas.microsoft.com/office/powerpoint/2010/main" spd="med" advClick="1"/>
+  <p:transition spd="med"/>
+  <p:timing>
+    <p:tnLst>
+      <p:par>
+        <p:cTn id="1" dur="indefinite" restart="never" nodeType="tmRoot"/>
+      </p:par>
+    </p:tnLst>
+  </p:timing>
 </p:sld>
 </file>
 
 <file path=ppt/theme/theme1.xml><?xml version="1.0" encoding="utf-8"?>
-<a:theme xmlns:a="http://schemas.openxmlformats.org/drawingml/2006/main" xmlns:r="http://schemas.openxmlformats.org/officeDocument/2006/relationships" name="Streamline">
+<a:theme xmlns:a="http://schemas.openxmlformats.org/drawingml/2006/main" name="Streamline">
   <a:themeElements>
     <a:clrScheme name="Streamline">
       <a:dk1>
@@ -6544,7 +6756,7 @@
       <a:effectStyleLst>
         <a:effectStyle>
           <a:effectLst>
-            <a:outerShdw sx="100000" sy="100000" kx="0" ky="0" algn="b" rotWithShape="0" blurRad="38100" dist="23000" dir="5400000">
+            <a:outerShdw blurRad="38100" dist="23000" dir="5400000" rotWithShape="0">
               <a:srgbClr val="000000">
                 <a:alpha val="35000"/>
               </a:srgbClr>
@@ -6553,7 +6765,7 @@
         </a:effectStyle>
         <a:effectStyle>
           <a:effectLst>
-            <a:outerShdw sx="100000" sy="100000" kx="0" ky="0" algn="b" rotWithShape="0" blurRad="38100" dist="23000" dir="5400000">
+            <a:outerShdw blurRad="38100" dist="23000" dir="5400000" rotWithShape="0">
               <a:srgbClr val="000000">
                 <a:alpha val="35000"/>
               </a:srgbClr>
@@ -6562,7 +6774,7 @@
         </a:effectStyle>
         <a:effectStyle>
           <a:effectLst>
-            <a:outerShdw sx="100000" sy="100000" kx="0" ky="0" algn="b" rotWithShape="0" blurRad="38100" dist="23000" dir="5400000">
+            <a:outerShdw blurRad="38100" dist="23000" dir="5400000" rotWithShape="0">
               <a:srgbClr val="000000">
                 <a:alpha val="35000"/>
               </a:srgbClr>
@@ -6636,7 +6848,7 @@
           <a:round/>
         </a:ln>
         <a:effectLst>
-          <a:outerShdw sx="100000" sy="100000" kx="0" ky="0" algn="b" rotWithShape="0" blurRad="38100" dist="23000" dir="5400000">
+          <a:outerShdw blurRad="38100" dist="23000" dir="5400000" rotWithShape="0">
             <a:srgbClr val="000000">
               <a:alpha val="35000"/>
             </a:srgbClr>
@@ -6644,7 +6856,7 @@
         </a:effectLst>
         <a:sp3d/>
       </a:spPr>
-      <a:bodyPr rot="0" spcFirstLastPara="1" vertOverflow="overflow" horzOverflow="overflow" vert="horz" wrap="square" lIns="45718" tIns="45718" rIns="45718" bIns="45718" numCol="1" spcCol="38100" rtlCol="0" anchor="ctr" upright="0">
+      <a:bodyPr rot="0" spcFirstLastPara="1" vertOverflow="overflow" horzOverflow="overflow" vert="horz" wrap="square" lIns="45718" tIns="45718" rIns="45718" bIns="45718" numCol="1" spcCol="38100" rtlCol="0" anchor="ctr">
         <a:spAutoFit/>
       </a:bodyPr>
       <a:lstStyle>
@@ -6663,7 +6875,7 @@
           <a:buFontTx/>
           <a:buNone/>
           <a:tabLst/>
-          <a:defRPr b="0" baseline="0" cap="none" i="0" spc="0" strike="noStrike" sz="1400" u="none" kumimoji="0" normalizeH="0">
+          <a:defRPr kumimoji="0" sz="1400" b="0" i="0" u="none" strike="noStrike" cap="none" spc="0" normalizeH="0" baseline="0">
             <a:ln>
               <a:noFill/>
             </a:ln>
@@ -6693,7 +6905,7 @@
           <a:buFontTx/>
           <a:buNone/>
           <a:tabLst/>
-          <a:defRPr b="0" baseline="0" cap="none" i="0" spc="0" strike="noStrike" sz="1800" u="none" kumimoji="0" normalizeH="0">
+          <a:defRPr kumimoji="0" sz="1800" b="0" i="0" u="none" strike="noStrike" cap="none" spc="0" normalizeH="0" baseline="0">
             <a:ln>
               <a:noFill/>
             </a:ln>
@@ -6719,7 +6931,7 @@
           <a:buFontTx/>
           <a:buNone/>
           <a:tabLst/>
-          <a:defRPr b="0" baseline="0" cap="none" i="0" spc="0" strike="noStrike" sz="1800" u="none" kumimoji="0" normalizeH="0">
+          <a:defRPr kumimoji="0" sz="1800" b="0" i="0" u="none" strike="noStrike" cap="none" spc="0" normalizeH="0" baseline="0">
             <a:ln>
               <a:noFill/>
             </a:ln>
@@ -6745,7 +6957,7 @@
           <a:buFontTx/>
           <a:buNone/>
           <a:tabLst/>
-          <a:defRPr b="0" baseline="0" cap="none" i="0" spc="0" strike="noStrike" sz="1800" u="none" kumimoji="0" normalizeH="0">
+          <a:defRPr kumimoji="0" sz="1800" b="0" i="0" u="none" strike="noStrike" cap="none" spc="0" normalizeH="0" baseline="0">
             <a:ln>
               <a:noFill/>
             </a:ln>
@@ -6771,7 +6983,7 @@
           <a:buFontTx/>
           <a:buNone/>
           <a:tabLst/>
-          <a:defRPr b="0" baseline="0" cap="none" i="0" spc="0" strike="noStrike" sz="1800" u="none" kumimoji="0" normalizeH="0">
+          <a:defRPr kumimoji="0" sz="1800" b="0" i="0" u="none" strike="noStrike" cap="none" spc="0" normalizeH="0" baseline="0">
             <a:ln>
               <a:noFill/>
             </a:ln>
@@ -6797,7 +7009,7 @@
           <a:buFontTx/>
           <a:buNone/>
           <a:tabLst/>
-          <a:defRPr b="0" baseline="0" cap="none" i="0" spc="0" strike="noStrike" sz="1800" u="none" kumimoji="0" normalizeH="0">
+          <a:defRPr kumimoji="0" sz="1800" b="0" i="0" u="none" strike="noStrike" cap="none" spc="0" normalizeH="0" baseline="0">
             <a:ln>
               <a:noFill/>
             </a:ln>
@@ -6823,7 +7035,7 @@
           <a:buFontTx/>
           <a:buNone/>
           <a:tabLst/>
-          <a:defRPr b="0" baseline="0" cap="none" i="0" spc="0" strike="noStrike" sz="1800" u="none" kumimoji="0" normalizeH="0">
+          <a:defRPr kumimoji="0" sz="1800" b="0" i="0" u="none" strike="noStrike" cap="none" spc="0" normalizeH="0" baseline="0">
             <a:ln>
               <a:noFill/>
             </a:ln>
@@ -6849,7 +7061,7 @@
           <a:buFontTx/>
           <a:buNone/>
           <a:tabLst/>
-          <a:defRPr b="0" baseline="0" cap="none" i="0" spc="0" strike="noStrike" sz="1800" u="none" kumimoji="0" normalizeH="0">
+          <a:defRPr kumimoji="0" sz="1800" b="0" i="0" u="none" strike="noStrike" cap="none" spc="0" normalizeH="0" baseline="0">
             <a:ln>
               <a:noFill/>
             </a:ln>
@@ -6875,7 +7087,7 @@
           <a:buFontTx/>
           <a:buNone/>
           <a:tabLst/>
-          <a:defRPr b="0" baseline="0" cap="none" i="0" spc="0" strike="noStrike" sz="1800" u="none" kumimoji="0" normalizeH="0">
+          <a:defRPr kumimoji="0" sz="1800" b="0" i="0" u="none" strike="noStrike" cap="none" spc="0" normalizeH="0" baseline="0">
             <a:ln>
               <a:noFill/>
             </a:ln>
@@ -6901,7 +7113,7 @@
           <a:buFontTx/>
           <a:buNone/>
           <a:tabLst/>
-          <a:defRPr b="0" baseline="0" cap="none" i="0" spc="0" strike="noStrike" sz="1800" u="none" kumimoji="0" normalizeH="0">
+          <a:defRPr kumimoji="0" sz="1800" b="0" i="0" u="none" strike="noStrike" cap="none" spc="0" normalizeH="0" baseline="0">
             <a:ln>
               <a:noFill/>
             </a:ln>
@@ -6914,9 +7126,15 @@
         </a:lvl9pPr>
       </a:lstStyle>
       <a:style>
-        <a:lnRef idx="0"/>
-        <a:fillRef idx="0"/>
-        <a:effectRef idx="0"/>
+        <a:lnRef idx="0">
+          <a:scrgbClr r="0" g="0" b="0"/>
+        </a:lnRef>
+        <a:fillRef idx="0">
+          <a:scrgbClr r="0" g="0" b="0"/>
+        </a:fillRef>
+        <a:effectRef idx="0">
+          <a:scrgbClr r="0" g="0" b="0"/>
+        </a:effectRef>
         <a:fontRef idx="none"/>
       </a:style>
     </a:spDef>
@@ -6931,7 +7149,7 @@
           <a:round/>
         </a:ln>
         <a:effectLst>
-          <a:outerShdw sx="100000" sy="100000" kx="0" ky="0" algn="b" rotWithShape="0" blurRad="38100" dist="23000" dir="5400000">
+          <a:outerShdw blurRad="38100" dist="23000" dir="5400000" rotWithShape="0">
             <a:srgbClr val="000000">
               <a:alpha val="35000"/>
             </a:srgbClr>
@@ -6939,7 +7157,7 @@
         </a:effectLst>
         <a:sp3d/>
       </a:spPr>
-      <a:bodyPr rot="0" spcFirstLastPara="1" vertOverflow="overflow" horzOverflow="overflow" vert="horz" wrap="square" lIns="91439" tIns="45719" rIns="91439" bIns="45719" numCol="1" spcCol="38100" rtlCol="0" anchor="t" upright="0">
+      <a:bodyPr rot="0" spcFirstLastPara="1" vertOverflow="overflow" horzOverflow="overflow" vert="horz" wrap="square" lIns="91439" tIns="45719" rIns="91439" bIns="45719" numCol="1" spcCol="38100" rtlCol="0" anchor="t">
         <a:noAutofit/>
       </a:bodyPr>
       <a:lstStyle>
@@ -6958,7 +7176,7 @@
           <a:buFontTx/>
           <a:buNone/>
           <a:tabLst/>
-          <a:defRPr b="0" baseline="0" cap="none" i="0" spc="0" strike="noStrike" sz="1800" u="none" kumimoji="0" normalizeH="0">
+          <a:defRPr kumimoji="0" sz="1800" b="0" i="0" u="none" strike="noStrike" cap="none" spc="0" normalizeH="0" baseline="0">
             <a:ln>
               <a:noFill/>
             </a:ln>
@@ -6984,7 +7202,7 @@
           <a:buFontTx/>
           <a:buNone/>
           <a:tabLst/>
-          <a:defRPr b="0" baseline="0" cap="none" i="0" spc="0" strike="noStrike" sz="1800" u="none" kumimoji="0" normalizeH="0">
+          <a:defRPr kumimoji="0" sz="1800" b="0" i="0" u="none" strike="noStrike" cap="none" spc="0" normalizeH="0" baseline="0">
             <a:ln>
               <a:noFill/>
             </a:ln>
@@ -7010,7 +7228,7 @@
           <a:buFontTx/>
           <a:buNone/>
           <a:tabLst/>
-          <a:defRPr b="0" baseline="0" cap="none" i="0" spc="0" strike="noStrike" sz="1800" u="none" kumimoji="0" normalizeH="0">
+          <a:defRPr kumimoji="0" sz="1800" b="0" i="0" u="none" strike="noStrike" cap="none" spc="0" normalizeH="0" baseline="0">
             <a:ln>
               <a:noFill/>
             </a:ln>
@@ -7036,7 +7254,7 @@
           <a:buFontTx/>
           <a:buNone/>
           <a:tabLst/>
-          <a:defRPr b="0" baseline="0" cap="none" i="0" spc="0" strike="noStrike" sz="1800" u="none" kumimoji="0" normalizeH="0">
+          <a:defRPr kumimoji="0" sz="1800" b="0" i="0" u="none" strike="noStrike" cap="none" spc="0" normalizeH="0" baseline="0">
             <a:ln>
               <a:noFill/>
             </a:ln>
@@ -7062,7 +7280,7 @@
           <a:buFontTx/>
           <a:buNone/>
           <a:tabLst/>
-          <a:defRPr b="0" baseline="0" cap="none" i="0" spc="0" strike="noStrike" sz="1800" u="none" kumimoji="0" normalizeH="0">
+          <a:defRPr kumimoji="0" sz="1800" b="0" i="0" u="none" strike="noStrike" cap="none" spc="0" normalizeH="0" baseline="0">
             <a:ln>
               <a:noFill/>
             </a:ln>
@@ -7088,7 +7306,7 @@
           <a:buFontTx/>
           <a:buNone/>
           <a:tabLst/>
-          <a:defRPr b="0" baseline="0" cap="none" i="0" spc="0" strike="noStrike" sz="1800" u="none" kumimoji="0" normalizeH="0">
+          <a:defRPr kumimoji="0" sz="1800" b="0" i="0" u="none" strike="noStrike" cap="none" spc="0" normalizeH="0" baseline="0">
             <a:ln>
               <a:noFill/>
             </a:ln>
@@ -7114,7 +7332,7 @@
           <a:buFontTx/>
           <a:buNone/>
           <a:tabLst/>
-          <a:defRPr b="0" baseline="0" cap="none" i="0" spc="0" strike="noStrike" sz="1800" u="none" kumimoji="0" normalizeH="0">
+          <a:defRPr kumimoji="0" sz="1800" b="0" i="0" u="none" strike="noStrike" cap="none" spc="0" normalizeH="0" baseline="0">
             <a:ln>
               <a:noFill/>
             </a:ln>
@@ -7140,7 +7358,7 @@
           <a:buFontTx/>
           <a:buNone/>
           <a:tabLst/>
-          <a:defRPr b="0" baseline="0" cap="none" i="0" spc="0" strike="noStrike" sz="1800" u="none" kumimoji="0" normalizeH="0">
+          <a:defRPr kumimoji="0" sz="1800" b="0" i="0" u="none" strike="noStrike" cap="none" spc="0" normalizeH="0" baseline="0">
             <a:ln>
               <a:noFill/>
             </a:ln>
@@ -7166,7 +7384,7 @@
           <a:buFontTx/>
           <a:buNone/>
           <a:tabLst/>
-          <a:defRPr b="0" baseline="0" cap="none" i="0" spc="0" strike="noStrike" sz="1800" u="none" kumimoji="0" normalizeH="0">
+          <a:defRPr kumimoji="0" sz="1800" b="0" i="0" u="none" strike="noStrike" cap="none" spc="0" normalizeH="0" baseline="0">
             <a:ln>
               <a:noFill/>
             </a:ln>
@@ -7192,7 +7410,7 @@
           <a:buFontTx/>
           <a:buNone/>
           <a:tabLst/>
-          <a:defRPr b="0" baseline="0" cap="none" i="0" spc="0" strike="noStrike" sz="1800" u="none" kumimoji="0" normalizeH="0">
+          <a:defRPr kumimoji="0" sz="1800" b="0" i="0" u="none" strike="noStrike" cap="none" spc="0" normalizeH="0" baseline="0">
             <a:ln>
               <a:noFill/>
             </a:ln>
@@ -7205,9 +7423,15 @@
         </a:lvl9pPr>
       </a:lstStyle>
       <a:style>
-        <a:lnRef idx="0"/>
-        <a:fillRef idx="0"/>
-        <a:effectRef idx="0"/>
+        <a:lnRef idx="0">
+          <a:scrgbClr r="0" g="0" b="0"/>
+        </a:lnRef>
+        <a:fillRef idx="0">
+          <a:scrgbClr r="0" g="0" b="0"/>
+        </a:fillRef>
+        <a:effectRef idx="0">
+          <a:scrgbClr r="0" g="0" b="0"/>
+        </a:effectRef>
         <a:fontRef idx="none"/>
       </a:style>
     </a:lnDef>
@@ -7221,7 +7445,7 @@
         <a:effectLst/>
         <a:sp3d/>
       </a:spPr>
-      <a:bodyPr rot="0" spcFirstLastPara="1" vertOverflow="overflow" horzOverflow="overflow" vert="horz" wrap="square" lIns="45718" tIns="45718" rIns="45718" bIns="45718" numCol="1" spcCol="38100" rtlCol="0" anchor="t" upright="0">
+      <a:bodyPr rot="0" spcFirstLastPara="1" vertOverflow="overflow" horzOverflow="overflow" vert="horz" wrap="square" lIns="45718" tIns="45718" rIns="45718" bIns="45718" numCol="1" spcCol="38100" rtlCol="0" anchor="t">
         <a:spAutoFit/>
       </a:bodyPr>
       <a:lstStyle>
@@ -7240,7 +7464,7 @@
           <a:buFontTx/>
           <a:buNone/>
           <a:tabLst/>
-          <a:defRPr b="0" baseline="0" cap="none" i="0" spc="0" strike="noStrike" sz="1400" u="none" kumimoji="0" normalizeH="0">
+          <a:defRPr kumimoji="0" sz="1400" b="0" i="0" u="none" strike="noStrike" cap="none" spc="0" normalizeH="0" baseline="0">
             <a:ln>
               <a:noFill/>
             </a:ln>
@@ -7270,7 +7494,7 @@
           <a:buFontTx/>
           <a:buNone/>
           <a:tabLst/>
-          <a:defRPr b="0" baseline="0" cap="none" i="0" spc="0" strike="noStrike" sz="1800" u="none" kumimoji="0" normalizeH="0">
+          <a:defRPr kumimoji="0" sz="1800" b="0" i="0" u="none" strike="noStrike" cap="none" spc="0" normalizeH="0" baseline="0">
             <a:ln>
               <a:noFill/>
             </a:ln>
@@ -7296,7 +7520,7 @@
           <a:buFontTx/>
           <a:buNone/>
           <a:tabLst/>
-          <a:defRPr b="0" baseline="0" cap="none" i="0" spc="0" strike="noStrike" sz="1800" u="none" kumimoji="0" normalizeH="0">
+          <a:defRPr kumimoji="0" sz="1800" b="0" i="0" u="none" strike="noStrike" cap="none" spc="0" normalizeH="0" baseline="0">
             <a:ln>
               <a:noFill/>
             </a:ln>
@@ -7322,7 +7546,7 @@
           <a:buFontTx/>
           <a:buNone/>
           <a:tabLst/>
-          <a:defRPr b="0" baseline="0" cap="none" i="0" spc="0" strike="noStrike" sz="1800" u="none" kumimoji="0" normalizeH="0">
+          <a:defRPr kumimoji="0" sz="1800" b="0" i="0" u="none" strike="noStrike" cap="none" spc="0" normalizeH="0" baseline="0">
             <a:ln>
               <a:noFill/>
             </a:ln>
@@ -7348,7 +7572,7 @@
           <a:buFontTx/>
           <a:buNone/>
           <a:tabLst/>
-          <a:defRPr b="0" baseline="0" cap="none" i="0" spc="0" strike="noStrike" sz="1800" u="none" kumimoji="0" normalizeH="0">
+          <a:defRPr kumimoji="0" sz="1800" b="0" i="0" u="none" strike="noStrike" cap="none" spc="0" normalizeH="0" baseline="0">
             <a:ln>
               <a:noFill/>
             </a:ln>
@@ -7374,7 +7598,7 @@
           <a:buFontTx/>
           <a:buNone/>
           <a:tabLst/>
-          <a:defRPr b="0" baseline="0" cap="none" i="0" spc="0" strike="noStrike" sz="1800" u="none" kumimoji="0" normalizeH="0">
+          <a:defRPr kumimoji="0" sz="1800" b="0" i="0" u="none" strike="noStrike" cap="none" spc="0" normalizeH="0" baseline="0">
             <a:ln>
               <a:noFill/>
             </a:ln>
@@ -7400,7 +7624,7 @@
           <a:buFontTx/>
           <a:buNone/>
           <a:tabLst/>
-          <a:defRPr b="0" baseline="0" cap="none" i="0" spc="0" strike="noStrike" sz="1800" u="none" kumimoji="0" normalizeH="0">
+          <a:defRPr kumimoji="0" sz="1800" b="0" i="0" u="none" strike="noStrike" cap="none" spc="0" normalizeH="0" baseline="0">
             <a:ln>
               <a:noFill/>
             </a:ln>
@@ -7426,7 +7650,7 @@
           <a:buFontTx/>
           <a:buNone/>
           <a:tabLst/>
-          <a:defRPr b="0" baseline="0" cap="none" i="0" spc="0" strike="noStrike" sz="1800" u="none" kumimoji="0" normalizeH="0">
+          <a:defRPr kumimoji="0" sz="1800" b="0" i="0" u="none" strike="noStrike" cap="none" spc="0" normalizeH="0" baseline="0">
             <a:ln>
               <a:noFill/>
             </a:ln>
@@ -7452,7 +7676,7 @@
           <a:buFontTx/>
           <a:buNone/>
           <a:tabLst/>
-          <a:defRPr b="0" baseline="0" cap="none" i="0" spc="0" strike="noStrike" sz="1800" u="none" kumimoji="0" normalizeH="0">
+          <a:defRPr kumimoji="0" sz="1800" b="0" i="0" u="none" strike="noStrike" cap="none" spc="0" normalizeH="0" baseline="0">
             <a:ln>
               <a:noFill/>
             </a:ln>
@@ -7478,7 +7702,7 @@
           <a:buFontTx/>
           <a:buNone/>
           <a:tabLst/>
-          <a:defRPr b="0" baseline="0" cap="none" i="0" spc="0" strike="noStrike" sz="1800" u="none" kumimoji="0" normalizeH="0">
+          <a:defRPr kumimoji="0" sz="1800" b="0" i="0" u="none" strike="noStrike" cap="none" spc="0" normalizeH="0" baseline="0">
             <a:ln>
               <a:noFill/>
             </a:ln>
@@ -7491,18 +7715,25 @@
         </a:lvl9pPr>
       </a:lstStyle>
       <a:style>
-        <a:lnRef idx="0"/>
-        <a:fillRef idx="0"/>
-        <a:effectRef idx="0"/>
+        <a:lnRef idx="0">
+          <a:scrgbClr r="0" g="0" b="0"/>
+        </a:lnRef>
+        <a:fillRef idx="0">
+          <a:scrgbClr r="0" g="0" b="0"/>
+        </a:fillRef>
+        <a:effectRef idx="0">
+          <a:scrgbClr r="0" g="0" b="0"/>
+        </a:effectRef>
         <a:fontRef idx="none"/>
       </a:style>
     </a:txDef>
   </a:objectDefaults>
+  <a:extraClrSchemeLst/>
 </a:theme>
 </file>
 
 <file path=ppt/theme/theme2.xml><?xml version="1.0" encoding="utf-8"?>
-<a:theme xmlns:a="http://schemas.openxmlformats.org/drawingml/2006/main" xmlns:r="http://schemas.openxmlformats.org/officeDocument/2006/relationships" name="Streamline">
+<a:theme xmlns:a="http://schemas.openxmlformats.org/drawingml/2006/main" name="Streamline">
   <a:themeElements>
     <a:clrScheme name="Streamline">
       <a:dk1>
@@ -7628,7 +7859,7 @@
       <a:effectStyleLst>
         <a:effectStyle>
           <a:effectLst>
-            <a:outerShdw sx="100000" sy="100000" kx="0" ky="0" algn="b" rotWithShape="0" blurRad="38100" dist="23000" dir="5400000">
+            <a:outerShdw blurRad="38100" dist="23000" dir="5400000" rotWithShape="0">
               <a:srgbClr val="000000">
                 <a:alpha val="35000"/>
               </a:srgbClr>
@@ -7637,7 +7868,7 @@
         </a:effectStyle>
         <a:effectStyle>
           <a:effectLst>
-            <a:outerShdw sx="100000" sy="100000" kx="0" ky="0" algn="b" rotWithShape="0" blurRad="38100" dist="23000" dir="5400000">
+            <a:outerShdw blurRad="38100" dist="23000" dir="5400000" rotWithShape="0">
               <a:srgbClr val="000000">
                 <a:alpha val="35000"/>
               </a:srgbClr>
@@ -7646,7 +7877,7 @@
         </a:effectStyle>
         <a:effectStyle>
           <a:effectLst>
-            <a:outerShdw sx="100000" sy="100000" kx="0" ky="0" algn="b" rotWithShape="0" blurRad="38100" dist="23000" dir="5400000">
+            <a:outerShdw blurRad="38100" dist="23000" dir="5400000" rotWithShape="0">
               <a:srgbClr val="000000">
                 <a:alpha val="35000"/>
               </a:srgbClr>
@@ -7720,7 +7951,7 @@
           <a:round/>
         </a:ln>
         <a:effectLst>
-          <a:outerShdw sx="100000" sy="100000" kx="0" ky="0" algn="b" rotWithShape="0" blurRad="38100" dist="23000" dir="5400000">
+          <a:outerShdw blurRad="38100" dist="23000" dir="5400000" rotWithShape="0">
             <a:srgbClr val="000000">
               <a:alpha val="35000"/>
             </a:srgbClr>
@@ -7728,7 +7959,7 @@
         </a:effectLst>
         <a:sp3d/>
       </a:spPr>
-      <a:bodyPr rot="0" spcFirstLastPara="1" vertOverflow="overflow" horzOverflow="overflow" vert="horz" wrap="square" lIns="45718" tIns="45718" rIns="45718" bIns="45718" numCol="1" spcCol="38100" rtlCol="0" anchor="ctr" upright="0">
+      <a:bodyPr rot="0" spcFirstLastPara="1" vertOverflow="overflow" horzOverflow="overflow" vert="horz" wrap="square" lIns="45718" tIns="45718" rIns="45718" bIns="45718" numCol="1" spcCol="38100" rtlCol="0" anchor="ctr">
         <a:spAutoFit/>
       </a:bodyPr>
       <a:lstStyle>
@@ -7747,7 +7978,7 @@
           <a:buFontTx/>
           <a:buNone/>
           <a:tabLst/>
-          <a:defRPr b="0" baseline="0" cap="none" i="0" spc="0" strike="noStrike" sz="1400" u="none" kumimoji="0" normalizeH="0">
+          <a:defRPr kumimoji="0" sz="1400" b="0" i="0" u="none" strike="noStrike" cap="none" spc="0" normalizeH="0" baseline="0">
             <a:ln>
               <a:noFill/>
             </a:ln>
@@ -7777,7 +8008,7 @@
           <a:buFontTx/>
           <a:buNone/>
           <a:tabLst/>
-          <a:defRPr b="0" baseline="0" cap="none" i="0" spc="0" strike="noStrike" sz="1800" u="none" kumimoji="0" normalizeH="0">
+          <a:defRPr kumimoji="0" sz="1800" b="0" i="0" u="none" strike="noStrike" cap="none" spc="0" normalizeH="0" baseline="0">
             <a:ln>
               <a:noFill/>
             </a:ln>
@@ -7803,7 +8034,7 @@
           <a:buFontTx/>
           <a:buNone/>
           <a:tabLst/>
-          <a:defRPr b="0" baseline="0" cap="none" i="0" spc="0" strike="noStrike" sz="1800" u="none" kumimoji="0" normalizeH="0">
+          <a:defRPr kumimoji="0" sz="1800" b="0" i="0" u="none" strike="noStrike" cap="none" spc="0" normalizeH="0" baseline="0">
             <a:ln>
               <a:noFill/>
             </a:ln>
@@ -7829,7 +8060,7 @@
           <a:buFontTx/>
           <a:buNone/>
           <a:tabLst/>
-          <a:defRPr b="0" baseline="0" cap="none" i="0" spc="0" strike="noStrike" sz="1800" u="none" kumimoji="0" normalizeH="0">
+          <a:defRPr kumimoji="0" sz="1800" b="0" i="0" u="none" strike="noStrike" cap="none" spc="0" normalizeH="0" baseline="0">
             <a:ln>
               <a:noFill/>
             </a:ln>
@@ -7855,7 +8086,7 @@
           <a:buFontTx/>
           <a:buNone/>
           <a:tabLst/>
-          <a:defRPr b="0" baseline="0" cap="none" i="0" spc="0" strike="noStrike" sz="1800" u="none" kumimoji="0" normalizeH="0">
+          <a:defRPr kumimoji="0" sz="1800" b="0" i="0" u="none" strike="noStrike" cap="none" spc="0" normalizeH="0" baseline="0">
             <a:ln>
               <a:noFill/>
             </a:ln>
@@ -7881,7 +8112,7 @@
           <a:buFontTx/>
           <a:buNone/>
           <a:tabLst/>
-          <a:defRPr b="0" baseline="0" cap="none" i="0" spc="0" strike="noStrike" sz="1800" u="none" kumimoji="0" normalizeH="0">
+          <a:defRPr kumimoji="0" sz="1800" b="0" i="0" u="none" strike="noStrike" cap="none" spc="0" normalizeH="0" baseline="0">
             <a:ln>
               <a:noFill/>
             </a:ln>
@@ -7907,7 +8138,7 @@
           <a:buFontTx/>
           <a:buNone/>
           <a:tabLst/>
-          <a:defRPr b="0" baseline="0" cap="none" i="0" spc="0" strike="noStrike" sz="1800" u="none" kumimoji="0" normalizeH="0">
+          <a:defRPr kumimoji="0" sz="1800" b="0" i="0" u="none" strike="noStrike" cap="none" spc="0" normalizeH="0" baseline="0">
             <a:ln>
               <a:noFill/>
             </a:ln>
@@ -7933,7 +8164,7 @@
           <a:buFontTx/>
           <a:buNone/>
           <a:tabLst/>
-          <a:defRPr b="0" baseline="0" cap="none" i="0" spc="0" strike="noStrike" sz="1800" u="none" kumimoji="0" normalizeH="0">
+          <a:defRPr kumimoji="0" sz="1800" b="0" i="0" u="none" strike="noStrike" cap="none" spc="0" normalizeH="0" baseline="0">
             <a:ln>
               <a:noFill/>
             </a:ln>
@@ -7959,7 +8190,7 @@
           <a:buFontTx/>
           <a:buNone/>
           <a:tabLst/>
-          <a:defRPr b="0" baseline="0" cap="none" i="0" spc="0" strike="noStrike" sz="1800" u="none" kumimoji="0" normalizeH="0">
+          <a:defRPr kumimoji="0" sz="1800" b="0" i="0" u="none" strike="noStrike" cap="none" spc="0" normalizeH="0" baseline="0">
             <a:ln>
               <a:noFill/>
             </a:ln>
@@ -7985,7 +8216,7 @@
           <a:buFontTx/>
           <a:buNone/>
           <a:tabLst/>
-          <a:defRPr b="0" baseline="0" cap="none" i="0" spc="0" strike="noStrike" sz="1800" u="none" kumimoji="0" normalizeH="0">
+          <a:defRPr kumimoji="0" sz="1800" b="0" i="0" u="none" strike="noStrike" cap="none" spc="0" normalizeH="0" baseline="0">
             <a:ln>
               <a:noFill/>
             </a:ln>
@@ -7998,9 +8229,15 @@
         </a:lvl9pPr>
       </a:lstStyle>
       <a:style>
-        <a:lnRef idx="0"/>
-        <a:fillRef idx="0"/>
-        <a:effectRef idx="0"/>
+        <a:lnRef idx="0">
+          <a:scrgbClr r="0" g="0" b="0"/>
+        </a:lnRef>
+        <a:fillRef idx="0">
+          <a:scrgbClr r="0" g="0" b="0"/>
+        </a:fillRef>
+        <a:effectRef idx="0">
+          <a:scrgbClr r="0" g="0" b="0"/>
+        </a:effectRef>
         <a:fontRef idx="none"/>
       </a:style>
     </a:spDef>
@@ -8015,7 +8252,7 @@
           <a:round/>
         </a:ln>
         <a:effectLst>
-          <a:outerShdw sx="100000" sy="100000" kx="0" ky="0" algn="b" rotWithShape="0" blurRad="38100" dist="23000" dir="5400000">
+          <a:outerShdw blurRad="38100" dist="23000" dir="5400000" rotWithShape="0">
             <a:srgbClr val="000000">
               <a:alpha val="35000"/>
             </a:srgbClr>
@@ -8023,7 +8260,7 @@
         </a:effectLst>
         <a:sp3d/>
       </a:spPr>
-      <a:bodyPr rot="0" spcFirstLastPara="1" vertOverflow="overflow" horzOverflow="overflow" vert="horz" wrap="square" lIns="91439" tIns="45719" rIns="91439" bIns="45719" numCol="1" spcCol="38100" rtlCol="0" anchor="t" upright="0">
+      <a:bodyPr rot="0" spcFirstLastPara="1" vertOverflow="overflow" horzOverflow="overflow" vert="horz" wrap="square" lIns="91439" tIns="45719" rIns="91439" bIns="45719" numCol="1" spcCol="38100" rtlCol="0" anchor="t">
         <a:noAutofit/>
       </a:bodyPr>
       <a:lstStyle>
@@ -8042,7 +8279,7 @@
           <a:buFontTx/>
           <a:buNone/>
           <a:tabLst/>
-          <a:defRPr b="0" baseline="0" cap="none" i="0" spc="0" strike="noStrike" sz="1800" u="none" kumimoji="0" normalizeH="0">
+          <a:defRPr kumimoji="0" sz="1800" b="0" i="0" u="none" strike="noStrike" cap="none" spc="0" normalizeH="0" baseline="0">
             <a:ln>
               <a:noFill/>
             </a:ln>
@@ -8068,7 +8305,7 @@
           <a:buFontTx/>
           <a:buNone/>
           <a:tabLst/>
-          <a:defRPr b="0" baseline="0" cap="none" i="0" spc="0" strike="noStrike" sz="1800" u="none" kumimoji="0" normalizeH="0">
+          <a:defRPr kumimoji="0" sz="1800" b="0" i="0" u="none" strike="noStrike" cap="none" spc="0" normalizeH="0" baseline="0">
             <a:ln>
               <a:noFill/>
             </a:ln>
@@ -8094,7 +8331,7 @@
           <a:buFontTx/>
           <a:buNone/>
           <a:tabLst/>
-          <a:defRPr b="0" baseline="0" cap="none" i="0" spc="0" strike="noStrike" sz="1800" u="none" kumimoji="0" normalizeH="0">
+          <a:defRPr kumimoji="0" sz="1800" b="0" i="0" u="none" strike="noStrike" cap="none" spc="0" normalizeH="0" baseline="0">
             <a:ln>
               <a:noFill/>
             </a:ln>
@@ -8120,7 +8357,7 @@
           <a:buFontTx/>
           <a:buNone/>
           <a:tabLst/>
-          <a:defRPr b="0" baseline="0" cap="none" i="0" spc="0" strike="noStrike" sz="1800" u="none" kumimoji="0" normalizeH="0">
+          <a:defRPr kumimoji="0" sz="1800" b="0" i="0" u="none" strike="noStrike" cap="none" spc="0" normalizeH="0" baseline="0">
             <a:ln>
               <a:noFill/>
             </a:ln>
@@ -8146,7 +8383,7 @@
           <a:buFontTx/>
           <a:buNone/>
           <a:tabLst/>
-          <a:defRPr b="0" baseline="0" cap="none" i="0" spc="0" strike="noStrike" sz="1800" u="none" kumimoji="0" normalizeH="0">
+          <a:defRPr kumimoji="0" sz="1800" b="0" i="0" u="none" strike="noStrike" cap="none" spc="0" normalizeH="0" baseline="0">
             <a:ln>
               <a:noFill/>
             </a:ln>
@@ -8172,7 +8409,7 @@
           <a:buFontTx/>
           <a:buNone/>
           <a:tabLst/>
-          <a:defRPr b="0" baseline="0" cap="none" i="0" spc="0" strike="noStrike" sz="1800" u="none" kumimoji="0" normalizeH="0">
+          <a:defRPr kumimoji="0" sz="1800" b="0" i="0" u="none" strike="noStrike" cap="none" spc="0" normalizeH="0" baseline="0">
             <a:ln>
               <a:noFill/>
             </a:ln>
@@ -8198,7 +8435,7 @@
           <a:buFontTx/>
           <a:buNone/>
           <a:tabLst/>
-          <a:defRPr b="0" baseline="0" cap="none" i="0" spc="0" strike="noStrike" sz="1800" u="none" kumimoji="0" normalizeH="0">
+          <a:defRPr kumimoji="0" sz="1800" b="0" i="0" u="none" strike="noStrike" cap="none" spc="0" normalizeH="0" baseline="0">
             <a:ln>
               <a:noFill/>
             </a:ln>
@@ -8224,7 +8461,7 @@
           <a:buFontTx/>
           <a:buNone/>
           <a:tabLst/>
-          <a:defRPr b="0" baseline="0" cap="none" i="0" spc="0" strike="noStrike" sz="1800" u="none" kumimoji="0" normalizeH="0">
+          <a:defRPr kumimoji="0" sz="1800" b="0" i="0" u="none" strike="noStrike" cap="none" spc="0" normalizeH="0" baseline="0">
             <a:ln>
               <a:noFill/>
             </a:ln>
@@ -8250,7 +8487,7 @@
           <a:buFontTx/>
           <a:buNone/>
           <a:tabLst/>
-          <a:defRPr b="0" baseline="0" cap="none" i="0" spc="0" strike="noStrike" sz="1800" u="none" kumimoji="0" normalizeH="0">
+          <a:defRPr kumimoji="0" sz="1800" b="0" i="0" u="none" strike="noStrike" cap="none" spc="0" normalizeH="0" baseline="0">
             <a:ln>
               <a:noFill/>
             </a:ln>
@@ -8276,7 +8513,7 @@
           <a:buFontTx/>
           <a:buNone/>
           <a:tabLst/>
-          <a:defRPr b="0" baseline="0" cap="none" i="0" spc="0" strike="noStrike" sz="1800" u="none" kumimoji="0" normalizeH="0">
+          <a:defRPr kumimoji="0" sz="1800" b="0" i="0" u="none" strike="noStrike" cap="none" spc="0" normalizeH="0" baseline="0">
             <a:ln>
               <a:noFill/>
             </a:ln>
@@ -8289,9 +8526,15 @@
         </a:lvl9pPr>
       </a:lstStyle>
       <a:style>
-        <a:lnRef idx="0"/>
-        <a:fillRef idx="0"/>
-        <a:effectRef idx="0"/>
+        <a:lnRef idx="0">
+          <a:scrgbClr r="0" g="0" b="0"/>
+        </a:lnRef>
+        <a:fillRef idx="0">
+          <a:scrgbClr r="0" g="0" b="0"/>
+        </a:fillRef>
+        <a:effectRef idx="0">
+          <a:scrgbClr r="0" g="0" b="0"/>
+        </a:effectRef>
         <a:fontRef idx="none"/>
       </a:style>
     </a:lnDef>
@@ -8305,7 +8548,7 @@
         <a:effectLst/>
         <a:sp3d/>
       </a:spPr>
-      <a:bodyPr rot="0" spcFirstLastPara="1" vertOverflow="overflow" horzOverflow="overflow" vert="horz" wrap="square" lIns="45718" tIns="45718" rIns="45718" bIns="45718" numCol="1" spcCol="38100" rtlCol="0" anchor="t" upright="0">
+      <a:bodyPr rot="0" spcFirstLastPara="1" vertOverflow="overflow" horzOverflow="overflow" vert="horz" wrap="square" lIns="45718" tIns="45718" rIns="45718" bIns="45718" numCol="1" spcCol="38100" rtlCol="0" anchor="t">
         <a:spAutoFit/>
       </a:bodyPr>
       <a:lstStyle>
@@ -8324,7 +8567,7 @@
           <a:buFontTx/>
           <a:buNone/>
           <a:tabLst/>
-          <a:defRPr b="0" baseline="0" cap="none" i="0" spc="0" strike="noStrike" sz="1400" u="none" kumimoji="0" normalizeH="0">
+          <a:defRPr kumimoji="0" sz="1400" b="0" i="0" u="none" strike="noStrike" cap="none" spc="0" normalizeH="0" baseline="0">
             <a:ln>
               <a:noFill/>
             </a:ln>
@@ -8354,7 +8597,7 @@
           <a:buFontTx/>
           <a:buNone/>
           <a:tabLst/>
-          <a:defRPr b="0" baseline="0" cap="none" i="0" spc="0" strike="noStrike" sz="1800" u="none" kumimoji="0" normalizeH="0">
+          <a:defRPr kumimoji="0" sz="1800" b="0" i="0" u="none" strike="noStrike" cap="none" spc="0" normalizeH="0" baseline="0">
             <a:ln>
               <a:noFill/>
             </a:ln>
@@ -8380,7 +8623,7 @@
           <a:buFontTx/>
           <a:buNone/>
           <a:tabLst/>
-          <a:defRPr b="0" baseline="0" cap="none" i="0" spc="0" strike="noStrike" sz="1800" u="none" kumimoji="0" normalizeH="0">
+          <a:defRPr kumimoji="0" sz="1800" b="0" i="0" u="none" strike="noStrike" cap="none" spc="0" normalizeH="0" baseline="0">
             <a:ln>
               <a:noFill/>
             </a:ln>
@@ -8406,7 +8649,7 @@
           <a:buFontTx/>
           <a:buNone/>
           <a:tabLst/>
-          <a:defRPr b="0" baseline="0" cap="none" i="0" spc="0" strike="noStrike" sz="1800" u="none" kumimoji="0" normalizeH="0">
+          <a:defRPr kumimoji="0" sz="1800" b="0" i="0" u="none" strike="noStrike" cap="none" spc="0" normalizeH="0" baseline="0">
             <a:ln>
               <a:noFill/>
             </a:ln>
@@ -8432,7 +8675,7 @@
           <a:buFontTx/>
           <a:buNone/>
           <a:tabLst/>
-          <a:defRPr b="0" baseline="0" cap="none" i="0" spc="0" strike="noStrike" sz="1800" u="none" kumimoji="0" normalizeH="0">
+          <a:defRPr kumimoji="0" sz="1800" b="0" i="0" u="none" strike="noStrike" cap="none" spc="0" normalizeH="0" baseline="0">
             <a:ln>
               <a:noFill/>
             </a:ln>
@@ -8458,7 +8701,7 @@
           <a:buFontTx/>
           <a:buNone/>
           <a:tabLst/>
-          <a:defRPr b="0" baseline="0" cap="none" i="0" spc="0" strike="noStrike" sz="1800" u="none" kumimoji="0" normalizeH="0">
+          <a:defRPr kumimoji="0" sz="1800" b="0" i="0" u="none" strike="noStrike" cap="none" spc="0" normalizeH="0" baseline="0">
             <a:ln>
               <a:noFill/>
             </a:ln>
@@ -8484,7 +8727,7 @@
           <a:buFontTx/>
           <a:buNone/>
           <a:tabLst/>
-          <a:defRPr b="0" baseline="0" cap="none" i="0" spc="0" strike="noStrike" sz="1800" u="none" kumimoji="0" normalizeH="0">
+          <a:defRPr kumimoji="0" sz="1800" b="0" i="0" u="none" strike="noStrike" cap="none" spc="0" normalizeH="0" baseline="0">
             <a:ln>
               <a:noFill/>
             </a:ln>
@@ -8510,7 +8753,7 @@
           <a:buFontTx/>
           <a:buNone/>
           <a:tabLst/>
-          <a:defRPr b="0" baseline="0" cap="none" i="0" spc="0" strike="noStrike" sz="1800" u="none" kumimoji="0" normalizeH="0">
+          <a:defRPr kumimoji="0" sz="1800" b="0" i="0" u="none" strike="noStrike" cap="none" spc="0" normalizeH="0" baseline="0">
             <a:ln>
               <a:noFill/>
             </a:ln>
@@ -8536,7 +8779,7 @@
           <a:buFontTx/>
           <a:buNone/>
           <a:tabLst/>
-          <a:defRPr b="0" baseline="0" cap="none" i="0" spc="0" strike="noStrike" sz="1800" u="none" kumimoji="0" normalizeH="0">
+          <a:defRPr kumimoji="0" sz="1800" b="0" i="0" u="none" strike="noStrike" cap="none" spc="0" normalizeH="0" baseline="0">
             <a:ln>
               <a:noFill/>
             </a:ln>
@@ -8562,7 +8805,7 @@
           <a:buFontTx/>
           <a:buNone/>
           <a:tabLst/>
-          <a:defRPr b="0" baseline="0" cap="none" i="0" spc="0" strike="noStrike" sz="1800" u="none" kumimoji="0" normalizeH="0">
+          <a:defRPr kumimoji="0" sz="1800" b="0" i="0" u="none" strike="noStrike" cap="none" spc="0" normalizeH="0" baseline="0">
             <a:ln>
               <a:noFill/>
             </a:ln>
@@ -8575,12 +8818,19 @@
         </a:lvl9pPr>
       </a:lstStyle>
       <a:style>
-        <a:lnRef idx="0"/>
-        <a:fillRef idx="0"/>
-        <a:effectRef idx="0"/>
+        <a:lnRef idx="0">
+          <a:scrgbClr r="0" g="0" b="0"/>
+        </a:lnRef>
+        <a:fillRef idx="0">
+          <a:scrgbClr r="0" g="0" b="0"/>
+        </a:fillRef>
+        <a:effectRef idx="0">
+          <a:scrgbClr r="0" g="0" b="0"/>
+        </a:effectRef>
         <a:fontRef idx="none"/>
       </a:style>
     </a:txDef>
   </a:objectDefaults>
+  <a:extraClrSchemeLst/>
 </a:theme>
 </file>